--- a/Undulator Preliminary Pulsedwire.pptx
+++ b/Undulator Preliminary Pulsedwire.pptx
@@ -12,6 +12,11 @@
     <p:sldId id="260" r:id="rId6"/>
     <p:sldId id="261" r:id="rId7"/>
     <p:sldId id="262" r:id="rId8"/>
+    <p:sldId id="263" r:id="rId9"/>
+    <p:sldId id="264" r:id="rId10"/>
+    <p:sldId id="265" r:id="rId11"/>
+    <p:sldId id="266" r:id="rId12"/>
+    <p:sldId id="267" r:id="rId13"/>
   </p:sldIdLst>
   <p:sldSz cx="12192000" cy="6858000"/>
   <p:notesSz cx="6858000" cy="9144000"/>
@@ -135,7 +140,7 @@
           <p:cNvPr id="2" name="Title 1">
             <a:extLst>
               <a:ext uri="{FF2B5EF4-FFF2-40B4-BE49-F238E27FC236}">
-                <a16:creationId xmlns:a16="http://schemas.microsoft.com/office/drawing/2014/main" id="{30F1AECD-72D7-DA67-6D96-F0C4A8D71522}"/>
+                <a16:creationId xmlns:a16="http://schemas.microsoft.com/office/drawing/2014/main" xmlns="" id="{30F1AECD-72D7-DA67-6D96-F0C4A8D71522}"/>
               </a:ext>
             </a:extLst>
           </p:cNvPr>
@@ -172,7 +177,7 @@
           <p:cNvPr id="3" name="Subtitle 2">
             <a:extLst>
               <a:ext uri="{FF2B5EF4-FFF2-40B4-BE49-F238E27FC236}">
-                <a16:creationId xmlns:a16="http://schemas.microsoft.com/office/drawing/2014/main" id="{3DA24174-2B70-A780-EE48-C27496A5A498}"/>
+                <a16:creationId xmlns:a16="http://schemas.microsoft.com/office/drawing/2014/main" xmlns="" id="{3DA24174-2B70-A780-EE48-C27496A5A498}"/>
               </a:ext>
             </a:extLst>
           </p:cNvPr>
@@ -242,7 +247,7 @@
           <p:cNvPr id="4" name="Date Placeholder 3">
             <a:extLst>
               <a:ext uri="{FF2B5EF4-FFF2-40B4-BE49-F238E27FC236}">
-                <a16:creationId xmlns:a16="http://schemas.microsoft.com/office/drawing/2014/main" id="{232C5A3A-98D0-24B5-210E-23FF557C5284}"/>
+                <a16:creationId xmlns:a16="http://schemas.microsoft.com/office/drawing/2014/main" xmlns="" id="{232C5A3A-98D0-24B5-210E-23FF557C5284}"/>
               </a:ext>
             </a:extLst>
           </p:cNvPr>
@@ -260,7 +265,7 @@
           <a:p>
             <a:fld id="{6828973A-3D2A-4AC3-AEA1-A5636B67EC42}" type="datetimeFigureOut">
               <a:rPr lang="en-US" smtClean="0"/>
-              <a:t>9/2/2022</a:t>
+              <a:t>12/1/2022</a:t>
             </a:fld>
             <a:endParaRPr lang="en-US"/>
           </a:p>
@@ -271,7 +276,7 @@
           <p:cNvPr id="5" name="Footer Placeholder 4">
             <a:extLst>
               <a:ext uri="{FF2B5EF4-FFF2-40B4-BE49-F238E27FC236}">
-                <a16:creationId xmlns:a16="http://schemas.microsoft.com/office/drawing/2014/main" id="{F86691A1-5B32-4144-4E7F-F77765646C57}"/>
+                <a16:creationId xmlns:a16="http://schemas.microsoft.com/office/drawing/2014/main" xmlns="" id="{F86691A1-5B32-4144-4E7F-F77765646C57}"/>
               </a:ext>
             </a:extLst>
           </p:cNvPr>
@@ -296,7 +301,7 @@
           <p:cNvPr id="6" name="Slide Number Placeholder 5">
             <a:extLst>
               <a:ext uri="{FF2B5EF4-FFF2-40B4-BE49-F238E27FC236}">
-                <a16:creationId xmlns:a16="http://schemas.microsoft.com/office/drawing/2014/main" id="{474508C6-4EA7-CD44-402C-4455FE2BC9E1}"/>
+                <a16:creationId xmlns:a16="http://schemas.microsoft.com/office/drawing/2014/main" xmlns="" id="{474508C6-4EA7-CD44-402C-4455FE2BC9E1}"/>
               </a:ext>
             </a:extLst>
           </p:cNvPr>
@@ -355,7 +360,7 @@
           <p:cNvPr id="2" name="Title 1">
             <a:extLst>
               <a:ext uri="{FF2B5EF4-FFF2-40B4-BE49-F238E27FC236}">
-                <a16:creationId xmlns:a16="http://schemas.microsoft.com/office/drawing/2014/main" id="{818EC977-ECEB-A87A-74BF-BF92F6637D7A}"/>
+                <a16:creationId xmlns:a16="http://schemas.microsoft.com/office/drawing/2014/main" xmlns="" id="{818EC977-ECEB-A87A-74BF-BF92F6637D7A}"/>
               </a:ext>
             </a:extLst>
           </p:cNvPr>
@@ -383,7 +388,7 @@
           <p:cNvPr id="3" name="Vertical Text Placeholder 2">
             <a:extLst>
               <a:ext uri="{FF2B5EF4-FFF2-40B4-BE49-F238E27FC236}">
-                <a16:creationId xmlns:a16="http://schemas.microsoft.com/office/drawing/2014/main" id="{B1B71A70-8353-289A-DA61-D02FB938CD2C}"/>
+                <a16:creationId xmlns:a16="http://schemas.microsoft.com/office/drawing/2014/main" xmlns="" id="{B1B71A70-8353-289A-DA61-D02FB938CD2C}"/>
               </a:ext>
             </a:extLst>
           </p:cNvPr>
@@ -440,7 +445,7 @@
           <p:cNvPr id="4" name="Date Placeholder 3">
             <a:extLst>
               <a:ext uri="{FF2B5EF4-FFF2-40B4-BE49-F238E27FC236}">
-                <a16:creationId xmlns:a16="http://schemas.microsoft.com/office/drawing/2014/main" id="{24CE9225-B3AE-AB92-7341-C6F84934FE87}"/>
+                <a16:creationId xmlns:a16="http://schemas.microsoft.com/office/drawing/2014/main" xmlns="" id="{24CE9225-B3AE-AB92-7341-C6F84934FE87}"/>
               </a:ext>
             </a:extLst>
           </p:cNvPr>
@@ -458,7 +463,7 @@
           <a:p>
             <a:fld id="{6828973A-3D2A-4AC3-AEA1-A5636B67EC42}" type="datetimeFigureOut">
               <a:rPr lang="en-US" smtClean="0"/>
-              <a:t>9/2/2022</a:t>
+              <a:t>12/1/2022</a:t>
             </a:fld>
             <a:endParaRPr lang="en-US"/>
           </a:p>
@@ -469,7 +474,7 @@
           <p:cNvPr id="5" name="Footer Placeholder 4">
             <a:extLst>
               <a:ext uri="{FF2B5EF4-FFF2-40B4-BE49-F238E27FC236}">
-                <a16:creationId xmlns:a16="http://schemas.microsoft.com/office/drawing/2014/main" id="{A535B522-E4D5-6D54-7577-98654A7A3286}"/>
+                <a16:creationId xmlns:a16="http://schemas.microsoft.com/office/drawing/2014/main" xmlns="" id="{A535B522-E4D5-6D54-7577-98654A7A3286}"/>
               </a:ext>
             </a:extLst>
           </p:cNvPr>
@@ -494,7 +499,7 @@
           <p:cNvPr id="6" name="Slide Number Placeholder 5">
             <a:extLst>
               <a:ext uri="{FF2B5EF4-FFF2-40B4-BE49-F238E27FC236}">
-                <a16:creationId xmlns:a16="http://schemas.microsoft.com/office/drawing/2014/main" id="{B460BA05-80C3-4905-B948-7CA06CC28641}"/>
+                <a16:creationId xmlns:a16="http://schemas.microsoft.com/office/drawing/2014/main" xmlns="" id="{B460BA05-80C3-4905-B948-7CA06CC28641}"/>
               </a:ext>
             </a:extLst>
           </p:cNvPr>
@@ -553,7 +558,7 @@
           <p:cNvPr id="2" name="Vertical Title 1">
             <a:extLst>
               <a:ext uri="{FF2B5EF4-FFF2-40B4-BE49-F238E27FC236}">
-                <a16:creationId xmlns:a16="http://schemas.microsoft.com/office/drawing/2014/main" id="{88083DC7-043B-7171-0273-CA1C577AAEED}"/>
+                <a16:creationId xmlns:a16="http://schemas.microsoft.com/office/drawing/2014/main" xmlns="" id="{88083DC7-043B-7171-0273-CA1C577AAEED}"/>
               </a:ext>
             </a:extLst>
           </p:cNvPr>
@@ -586,7 +591,7 @@
           <p:cNvPr id="3" name="Vertical Text Placeholder 2">
             <a:extLst>
               <a:ext uri="{FF2B5EF4-FFF2-40B4-BE49-F238E27FC236}">
-                <a16:creationId xmlns:a16="http://schemas.microsoft.com/office/drawing/2014/main" id="{06D9C88F-D8E6-C042-33C1-BD344C62DF04}"/>
+                <a16:creationId xmlns:a16="http://schemas.microsoft.com/office/drawing/2014/main" xmlns="" id="{06D9C88F-D8E6-C042-33C1-BD344C62DF04}"/>
               </a:ext>
             </a:extLst>
           </p:cNvPr>
@@ -648,7 +653,7 @@
           <p:cNvPr id="4" name="Date Placeholder 3">
             <a:extLst>
               <a:ext uri="{FF2B5EF4-FFF2-40B4-BE49-F238E27FC236}">
-                <a16:creationId xmlns:a16="http://schemas.microsoft.com/office/drawing/2014/main" id="{3329D591-FCDE-57A3-D74C-09D337A7B311}"/>
+                <a16:creationId xmlns:a16="http://schemas.microsoft.com/office/drawing/2014/main" xmlns="" id="{3329D591-FCDE-57A3-D74C-09D337A7B311}"/>
               </a:ext>
             </a:extLst>
           </p:cNvPr>
@@ -666,7 +671,7 @@
           <a:p>
             <a:fld id="{6828973A-3D2A-4AC3-AEA1-A5636B67EC42}" type="datetimeFigureOut">
               <a:rPr lang="en-US" smtClean="0"/>
-              <a:t>9/2/2022</a:t>
+              <a:t>12/1/2022</a:t>
             </a:fld>
             <a:endParaRPr lang="en-US"/>
           </a:p>
@@ -677,7 +682,7 @@
           <p:cNvPr id="5" name="Footer Placeholder 4">
             <a:extLst>
               <a:ext uri="{FF2B5EF4-FFF2-40B4-BE49-F238E27FC236}">
-                <a16:creationId xmlns:a16="http://schemas.microsoft.com/office/drawing/2014/main" id="{922F6589-6543-4422-A72C-B34A4288DE7E}"/>
+                <a16:creationId xmlns:a16="http://schemas.microsoft.com/office/drawing/2014/main" xmlns="" id="{922F6589-6543-4422-A72C-B34A4288DE7E}"/>
               </a:ext>
             </a:extLst>
           </p:cNvPr>
@@ -702,7 +707,7 @@
           <p:cNvPr id="6" name="Slide Number Placeholder 5">
             <a:extLst>
               <a:ext uri="{FF2B5EF4-FFF2-40B4-BE49-F238E27FC236}">
-                <a16:creationId xmlns:a16="http://schemas.microsoft.com/office/drawing/2014/main" id="{37CDC0BA-11C1-1BED-BBEF-240D22FC8950}"/>
+                <a16:creationId xmlns:a16="http://schemas.microsoft.com/office/drawing/2014/main" xmlns="" id="{37CDC0BA-11C1-1BED-BBEF-240D22FC8950}"/>
               </a:ext>
             </a:extLst>
           </p:cNvPr>
@@ -761,7 +766,7 @@
           <p:cNvPr id="2" name="Title 1">
             <a:extLst>
               <a:ext uri="{FF2B5EF4-FFF2-40B4-BE49-F238E27FC236}">
-                <a16:creationId xmlns:a16="http://schemas.microsoft.com/office/drawing/2014/main" id="{D81A827B-0863-D988-9E63-D239802C7931}"/>
+                <a16:creationId xmlns:a16="http://schemas.microsoft.com/office/drawing/2014/main" xmlns="" id="{D81A827B-0863-D988-9E63-D239802C7931}"/>
               </a:ext>
             </a:extLst>
           </p:cNvPr>
@@ -789,7 +794,7 @@
           <p:cNvPr id="3" name="Content Placeholder 2">
             <a:extLst>
               <a:ext uri="{FF2B5EF4-FFF2-40B4-BE49-F238E27FC236}">
-                <a16:creationId xmlns:a16="http://schemas.microsoft.com/office/drawing/2014/main" id="{793A46F7-1F01-1085-3CC9-340CA420D9A8}"/>
+                <a16:creationId xmlns:a16="http://schemas.microsoft.com/office/drawing/2014/main" xmlns="" id="{793A46F7-1F01-1085-3CC9-340CA420D9A8}"/>
               </a:ext>
             </a:extLst>
           </p:cNvPr>
@@ -846,7 +851,7 @@
           <p:cNvPr id="4" name="Date Placeholder 3">
             <a:extLst>
               <a:ext uri="{FF2B5EF4-FFF2-40B4-BE49-F238E27FC236}">
-                <a16:creationId xmlns:a16="http://schemas.microsoft.com/office/drawing/2014/main" id="{93C8FB44-AC89-6AA3-2B31-4311F7E89561}"/>
+                <a16:creationId xmlns:a16="http://schemas.microsoft.com/office/drawing/2014/main" xmlns="" id="{93C8FB44-AC89-6AA3-2B31-4311F7E89561}"/>
               </a:ext>
             </a:extLst>
           </p:cNvPr>
@@ -864,7 +869,7 @@
           <a:p>
             <a:fld id="{6828973A-3D2A-4AC3-AEA1-A5636B67EC42}" type="datetimeFigureOut">
               <a:rPr lang="en-US" smtClean="0"/>
-              <a:t>9/2/2022</a:t>
+              <a:t>12/1/2022</a:t>
             </a:fld>
             <a:endParaRPr lang="en-US"/>
           </a:p>
@@ -875,7 +880,7 @@
           <p:cNvPr id="5" name="Footer Placeholder 4">
             <a:extLst>
               <a:ext uri="{FF2B5EF4-FFF2-40B4-BE49-F238E27FC236}">
-                <a16:creationId xmlns:a16="http://schemas.microsoft.com/office/drawing/2014/main" id="{922C5BF5-79DA-EAA9-3BFC-9C780E10942B}"/>
+                <a16:creationId xmlns:a16="http://schemas.microsoft.com/office/drawing/2014/main" xmlns="" id="{922C5BF5-79DA-EAA9-3BFC-9C780E10942B}"/>
               </a:ext>
             </a:extLst>
           </p:cNvPr>
@@ -900,7 +905,7 @@
           <p:cNvPr id="6" name="Slide Number Placeholder 5">
             <a:extLst>
               <a:ext uri="{FF2B5EF4-FFF2-40B4-BE49-F238E27FC236}">
-                <a16:creationId xmlns:a16="http://schemas.microsoft.com/office/drawing/2014/main" id="{B50740CD-5EAD-ED59-E67E-E35686A2E99C}"/>
+                <a16:creationId xmlns:a16="http://schemas.microsoft.com/office/drawing/2014/main" xmlns="" id="{B50740CD-5EAD-ED59-E67E-E35686A2E99C}"/>
               </a:ext>
             </a:extLst>
           </p:cNvPr>
@@ -959,7 +964,7 @@
           <p:cNvPr id="2" name="Title 1">
             <a:extLst>
               <a:ext uri="{FF2B5EF4-FFF2-40B4-BE49-F238E27FC236}">
-                <a16:creationId xmlns:a16="http://schemas.microsoft.com/office/drawing/2014/main" id="{03DEA350-9480-9953-3BC7-78FBB2405002}"/>
+                <a16:creationId xmlns:a16="http://schemas.microsoft.com/office/drawing/2014/main" xmlns="" id="{03DEA350-9480-9953-3BC7-78FBB2405002}"/>
               </a:ext>
             </a:extLst>
           </p:cNvPr>
@@ -996,7 +1001,7 @@
           <p:cNvPr id="3" name="Text Placeholder 2">
             <a:extLst>
               <a:ext uri="{FF2B5EF4-FFF2-40B4-BE49-F238E27FC236}">
-                <a16:creationId xmlns:a16="http://schemas.microsoft.com/office/drawing/2014/main" id="{5F02CB2B-48C8-B2E9-8811-F54563AA552D}"/>
+                <a16:creationId xmlns:a16="http://schemas.microsoft.com/office/drawing/2014/main" xmlns="" id="{5F02CB2B-48C8-B2E9-8811-F54563AA552D}"/>
               </a:ext>
             </a:extLst>
           </p:cNvPr>
@@ -1121,7 +1126,7 @@
           <p:cNvPr id="4" name="Date Placeholder 3">
             <a:extLst>
               <a:ext uri="{FF2B5EF4-FFF2-40B4-BE49-F238E27FC236}">
-                <a16:creationId xmlns:a16="http://schemas.microsoft.com/office/drawing/2014/main" id="{555A5A4E-CBE4-7825-B570-573727B23D75}"/>
+                <a16:creationId xmlns:a16="http://schemas.microsoft.com/office/drawing/2014/main" xmlns="" id="{555A5A4E-CBE4-7825-B570-573727B23D75}"/>
               </a:ext>
             </a:extLst>
           </p:cNvPr>
@@ -1139,7 +1144,7 @@
           <a:p>
             <a:fld id="{6828973A-3D2A-4AC3-AEA1-A5636B67EC42}" type="datetimeFigureOut">
               <a:rPr lang="en-US" smtClean="0"/>
-              <a:t>9/2/2022</a:t>
+              <a:t>12/1/2022</a:t>
             </a:fld>
             <a:endParaRPr lang="en-US"/>
           </a:p>
@@ -1150,7 +1155,7 @@
           <p:cNvPr id="5" name="Footer Placeholder 4">
             <a:extLst>
               <a:ext uri="{FF2B5EF4-FFF2-40B4-BE49-F238E27FC236}">
-                <a16:creationId xmlns:a16="http://schemas.microsoft.com/office/drawing/2014/main" id="{A6F52C9D-35C2-A2D0-44B5-11160829DDA9}"/>
+                <a16:creationId xmlns:a16="http://schemas.microsoft.com/office/drawing/2014/main" xmlns="" id="{A6F52C9D-35C2-A2D0-44B5-11160829DDA9}"/>
               </a:ext>
             </a:extLst>
           </p:cNvPr>
@@ -1175,7 +1180,7 @@
           <p:cNvPr id="6" name="Slide Number Placeholder 5">
             <a:extLst>
               <a:ext uri="{FF2B5EF4-FFF2-40B4-BE49-F238E27FC236}">
-                <a16:creationId xmlns:a16="http://schemas.microsoft.com/office/drawing/2014/main" id="{6F411A6B-7CA5-E9D5-C9DE-37C810AD416E}"/>
+                <a16:creationId xmlns:a16="http://schemas.microsoft.com/office/drawing/2014/main" xmlns="" id="{6F411A6B-7CA5-E9D5-C9DE-37C810AD416E}"/>
               </a:ext>
             </a:extLst>
           </p:cNvPr>
@@ -1234,7 +1239,7 @@
           <p:cNvPr id="2" name="Title 1">
             <a:extLst>
               <a:ext uri="{FF2B5EF4-FFF2-40B4-BE49-F238E27FC236}">
-                <a16:creationId xmlns:a16="http://schemas.microsoft.com/office/drawing/2014/main" id="{85D7711F-071F-A675-7523-123FB4D6B422}"/>
+                <a16:creationId xmlns:a16="http://schemas.microsoft.com/office/drawing/2014/main" xmlns="" id="{85D7711F-071F-A675-7523-123FB4D6B422}"/>
               </a:ext>
             </a:extLst>
           </p:cNvPr>
@@ -1262,7 +1267,7 @@
           <p:cNvPr id="3" name="Content Placeholder 2">
             <a:extLst>
               <a:ext uri="{FF2B5EF4-FFF2-40B4-BE49-F238E27FC236}">
-                <a16:creationId xmlns:a16="http://schemas.microsoft.com/office/drawing/2014/main" id="{FB7F64F9-C9DA-D453-1028-45EDD1CE9F17}"/>
+                <a16:creationId xmlns:a16="http://schemas.microsoft.com/office/drawing/2014/main" xmlns="" id="{FB7F64F9-C9DA-D453-1028-45EDD1CE9F17}"/>
               </a:ext>
             </a:extLst>
           </p:cNvPr>
@@ -1324,7 +1329,7 @@
           <p:cNvPr id="4" name="Content Placeholder 3">
             <a:extLst>
               <a:ext uri="{FF2B5EF4-FFF2-40B4-BE49-F238E27FC236}">
-                <a16:creationId xmlns:a16="http://schemas.microsoft.com/office/drawing/2014/main" id="{37DD664F-DC1A-1CE4-D861-62FB56C171B8}"/>
+                <a16:creationId xmlns:a16="http://schemas.microsoft.com/office/drawing/2014/main" xmlns="" id="{37DD664F-DC1A-1CE4-D861-62FB56C171B8}"/>
               </a:ext>
             </a:extLst>
           </p:cNvPr>
@@ -1386,7 +1391,7 @@
           <p:cNvPr id="5" name="Date Placeholder 4">
             <a:extLst>
               <a:ext uri="{FF2B5EF4-FFF2-40B4-BE49-F238E27FC236}">
-                <a16:creationId xmlns:a16="http://schemas.microsoft.com/office/drawing/2014/main" id="{1A9DCF86-B697-B982-AA26-B42F8268AA19}"/>
+                <a16:creationId xmlns:a16="http://schemas.microsoft.com/office/drawing/2014/main" xmlns="" id="{1A9DCF86-B697-B982-AA26-B42F8268AA19}"/>
               </a:ext>
             </a:extLst>
           </p:cNvPr>
@@ -1404,7 +1409,7 @@
           <a:p>
             <a:fld id="{6828973A-3D2A-4AC3-AEA1-A5636B67EC42}" type="datetimeFigureOut">
               <a:rPr lang="en-US" smtClean="0"/>
-              <a:t>9/2/2022</a:t>
+              <a:t>12/1/2022</a:t>
             </a:fld>
             <a:endParaRPr lang="en-US"/>
           </a:p>
@@ -1415,7 +1420,7 @@
           <p:cNvPr id="6" name="Footer Placeholder 5">
             <a:extLst>
               <a:ext uri="{FF2B5EF4-FFF2-40B4-BE49-F238E27FC236}">
-                <a16:creationId xmlns:a16="http://schemas.microsoft.com/office/drawing/2014/main" id="{3A92CF34-9473-8AB7-854F-658D91A7BCD6}"/>
+                <a16:creationId xmlns:a16="http://schemas.microsoft.com/office/drawing/2014/main" xmlns="" id="{3A92CF34-9473-8AB7-854F-658D91A7BCD6}"/>
               </a:ext>
             </a:extLst>
           </p:cNvPr>
@@ -1440,7 +1445,7 @@
           <p:cNvPr id="7" name="Slide Number Placeholder 6">
             <a:extLst>
               <a:ext uri="{FF2B5EF4-FFF2-40B4-BE49-F238E27FC236}">
-                <a16:creationId xmlns:a16="http://schemas.microsoft.com/office/drawing/2014/main" id="{0224682B-1040-2879-1167-A3C71BB77B9D}"/>
+                <a16:creationId xmlns:a16="http://schemas.microsoft.com/office/drawing/2014/main" xmlns="" id="{0224682B-1040-2879-1167-A3C71BB77B9D}"/>
               </a:ext>
             </a:extLst>
           </p:cNvPr>
@@ -1499,7 +1504,7 @@
           <p:cNvPr id="2" name="Title 1">
             <a:extLst>
               <a:ext uri="{FF2B5EF4-FFF2-40B4-BE49-F238E27FC236}">
-                <a16:creationId xmlns:a16="http://schemas.microsoft.com/office/drawing/2014/main" id="{0C8C5F50-312D-685A-C44A-BE1DA7C33994}"/>
+                <a16:creationId xmlns:a16="http://schemas.microsoft.com/office/drawing/2014/main" xmlns="" id="{0C8C5F50-312D-685A-C44A-BE1DA7C33994}"/>
               </a:ext>
             </a:extLst>
           </p:cNvPr>
@@ -1532,7 +1537,7 @@
           <p:cNvPr id="3" name="Text Placeholder 2">
             <a:extLst>
               <a:ext uri="{FF2B5EF4-FFF2-40B4-BE49-F238E27FC236}">
-                <a16:creationId xmlns:a16="http://schemas.microsoft.com/office/drawing/2014/main" id="{21732BB8-1327-7D97-788B-49E228A34C98}"/>
+                <a16:creationId xmlns:a16="http://schemas.microsoft.com/office/drawing/2014/main" xmlns="" id="{21732BB8-1327-7D97-788B-49E228A34C98}"/>
               </a:ext>
             </a:extLst>
           </p:cNvPr>
@@ -1603,7 +1608,7 @@
           <p:cNvPr id="4" name="Content Placeholder 3">
             <a:extLst>
               <a:ext uri="{FF2B5EF4-FFF2-40B4-BE49-F238E27FC236}">
-                <a16:creationId xmlns:a16="http://schemas.microsoft.com/office/drawing/2014/main" id="{8E5B79FD-5404-6A5A-6511-4F38AB1CDA5F}"/>
+                <a16:creationId xmlns:a16="http://schemas.microsoft.com/office/drawing/2014/main" xmlns="" id="{8E5B79FD-5404-6A5A-6511-4F38AB1CDA5F}"/>
               </a:ext>
             </a:extLst>
           </p:cNvPr>
@@ -1665,7 +1670,7 @@
           <p:cNvPr id="5" name="Text Placeholder 4">
             <a:extLst>
               <a:ext uri="{FF2B5EF4-FFF2-40B4-BE49-F238E27FC236}">
-                <a16:creationId xmlns:a16="http://schemas.microsoft.com/office/drawing/2014/main" id="{67376A39-1A05-6C75-D63C-41859FFC3FD6}"/>
+                <a16:creationId xmlns:a16="http://schemas.microsoft.com/office/drawing/2014/main" xmlns="" id="{67376A39-1A05-6C75-D63C-41859FFC3FD6}"/>
               </a:ext>
             </a:extLst>
           </p:cNvPr>
@@ -1736,7 +1741,7 @@
           <p:cNvPr id="6" name="Content Placeholder 5">
             <a:extLst>
               <a:ext uri="{FF2B5EF4-FFF2-40B4-BE49-F238E27FC236}">
-                <a16:creationId xmlns:a16="http://schemas.microsoft.com/office/drawing/2014/main" id="{EC816792-7D63-DAE1-F26C-92D9FFA7301E}"/>
+                <a16:creationId xmlns:a16="http://schemas.microsoft.com/office/drawing/2014/main" xmlns="" id="{EC816792-7D63-DAE1-F26C-92D9FFA7301E}"/>
               </a:ext>
             </a:extLst>
           </p:cNvPr>
@@ -1798,7 +1803,7 @@
           <p:cNvPr id="7" name="Date Placeholder 6">
             <a:extLst>
               <a:ext uri="{FF2B5EF4-FFF2-40B4-BE49-F238E27FC236}">
-                <a16:creationId xmlns:a16="http://schemas.microsoft.com/office/drawing/2014/main" id="{A8863886-73D3-736E-2C03-92D73A13FC4E}"/>
+                <a16:creationId xmlns:a16="http://schemas.microsoft.com/office/drawing/2014/main" xmlns="" id="{A8863886-73D3-736E-2C03-92D73A13FC4E}"/>
               </a:ext>
             </a:extLst>
           </p:cNvPr>
@@ -1816,7 +1821,7 @@
           <a:p>
             <a:fld id="{6828973A-3D2A-4AC3-AEA1-A5636B67EC42}" type="datetimeFigureOut">
               <a:rPr lang="en-US" smtClean="0"/>
-              <a:t>9/2/2022</a:t>
+              <a:t>12/1/2022</a:t>
             </a:fld>
             <a:endParaRPr lang="en-US"/>
           </a:p>
@@ -1827,7 +1832,7 @@
           <p:cNvPr id="8" name="Footer Placeholder 7">
             <a:extLst>
               <a:ext uri="{FF2B5EF4-FFF2-40B4-BE49-F238E27FC236}">
-                <a16:creationId xmlns:a16="http://schemas.microsoft.com/office/drawing/2014/main" id="{2764059D-8BFD-55A7-9ED9-F4893C3D6008}"/>
+                <a16:creationId xmlns:a16="http://schemas.microsoft.com/office/drawing/2014/main" xmlns="" id="{2764059D-8BFD-55A7-9ED9-F4893C3D6008}"/>
               </a:ext>
             </a:extLst>
           </p:cNvPr>
@@ -1852,7 +1857,7 @@
           <p:cNvPr id="9" name="Slide Number Placeholder 8">
             <a:extLst>
               <a:ext uri="{FF2B5EF4-FFF2-40B4-BE49-F238E27FC236}">
-                <a16:creationId xmlns:a16="http://schemas.microsoft.com/office/drawing/2014/main" id="{A6457390-3E9D-E9B8-1F63-4F9629912AFF}"/>
+                <a16:creationId xmlns:a16="http://schemas.microsoft.com/office/drawing/2014/main" xmlns="" id="{A6457390-3E9D-E9B8-1F63-4F9629912AFF}"/>
               </a:ext>
             </a:extLst>
           </p:cNvPr>
@@ -1911,7 +1916,7 @@
           <p:cNvPr id="2" name="Title 1">
             <a:extLst>
               <a:ext uri="{FF2B5EF4-FFF2-40B4-BE49-F238E27FC236}">
-                <a16:creationId xmlns:a16="http://schemas.microsoft.com/office/drawing/2014/main" id="{3EDC676B-0B9A-7FBA-7861-D3ED16C691A8}"/>
+                <a16:creationId xmlns:a16="http://schemas.microsoft.com/office/drawing/2014/main" xmlns="" id="{3EDC676B-0B9A-7FBA-7861-D3ED16C691A8}"/>
               </a:ext>
             </a:extLst>
           </p:cNvPr>
@@ -1939,7 +1944,7 @@
           <p:cNvPr id="3" name="Date Placeholder 2">
             <a:extLst>
               <a:ext uri="{FF2B5EF4-FFF2-40B4-BE49-F238E27FC236}">
-                <a16:creationId xmlns:a16="http://schemas.microsoft.com/office/drawing/2014/main" id="{627EEFB3-CFF3-9256-49AC-99357F40E9F9}"/>
+                <a16:creationId xmlns:a16="http://schemas.microsoft.com/office/drawing/2014/main" xmlns="" id="{627EEFB3-CFF3-9256-49AC-99357F40E9F9}"/>
               </a:ext>
             </a:extLst>
           </p:cNvPr>
@@ -1957,7 +1962,7 @@
           <a:p>
             <a:fld id="{6828973A-3D2A-4AC3-AEA1-A5636B67EC42}" type="datetimeFigureOut">
               <a:rPr lang="en-US" smtClean="0"/>
-              <a:t>9/2/2022</a:t>
+              <a:t>12/1/2022</a:t>
             </a:fld>
             <a:endParaRPr lang="en-US"/>
           </a:p>
@@ -1968,7 +1973,7 @@
           <p:cNvPr id="4" name="Footer Placeholder 3">
             <a:extLst>
               <a:ext uri="{FF2B5EF4-FFF2-40B4-BE49-F238E27FC236}">
-                <a16:creationId xmlns:a16="http://schemas.microsoft.com/office/drawing/2014/main" id="{7D22123C-6DDC-716D-3060-2A016FA9A556}"/>
+                <a16:creationId xmlns:a16="http://schemas.microsoft.com/office/drawing/2014/main" xmlns="" id="{7D22123C-6DDC-716D-3060-2A016FA9A556}"/>
               </a:ext>
             </a:extLst>
           </p:cNvPr>
@@ -1993,7 +1998,7 @@
           <p:cNvPr id="5" name="Slide Number Placeholder 4">
             <a:extLst>
               <a:ext uri="{FF2B5EF4-FFF2-40B4-BE49-F238E27FC236}">
-                <a16:creationId xmlns:a16="http://schemas.microsoft.com/office/drawing/2014/main" id="{4CF014E3-44F5-926D-DCC1-4A3F604BF4B8}"/>
+                <a16:creationId xmlns:a16="http://schemas.microsoft.com/office/drawing/2014/main" xmlns="" id="{4CF014E3-44F5-926D-DCC1-4A3F604BF4B8}"/>
               </a:ext>
             </a:extLst>
           </p:cNvPr>
@@ -2052,7 +2057,7 @@
           <p:cNvPr id="2" name="Date Placeholder 1">
             <a:extLst>
               <a:ext uri="{FF2B5EF4-FFF2-40B4-BE49-F238E27FC236}">
-                <a16:creationId xmlns:a16="http://schemas.microsoft.com/office/drawing/2014/main" id="{9602F830-E16B-9399-DA65-EF5834C02953}"/>
+                <a16:creationId xmlns:a16="http://schemas.microsoft.com/office/drawing/2014/main" xmlns="" id="{9602F830-E16B-9399-DA65-EF5834C02953}"/>
               </a:ext>
             </a:extLst>
           </p:cNvPr>
@@ -2070,7 +2075,7 @@
           <a:p>
             <a:fld id="{6828973A-3D2A-4AC3-AEA1-A5636B67EC42}" type="datetimeFigureOut">
               <a:rPr lang="en-US" smtClean="0"/>
-              <a:t>9/2/2022</a:t>
+              <a:t>12/1/2022</a:t>
             </a:fld>
             <a:endParaRPr lang="en-US"/>
           </a:p>
@@ -2081,7 +2086,7 @@
           <p:cNvPr id="3" name="Footer Placeholder 2">
             <a:extLst>
               <a:ext uri="{FF2B5EF4-FFF2-40B4-BE49-F238E27FC236}">
-                <a16:creationId xmlns:a16="http://schemas.microsoft.com/office/drawing/2014/main" id="{74C23EE2-1623-A823-E77A-36DAC7E3A9B4}"/>
+                <a16:creationId xmlns:a16="http://schemas.microsoft.com/office/drawing/2014/main" xmlns="" id="{74C23EE2-1623-A823-E77A-36DAC7E3A9B4}"/>
               </a:ext>
             </a:extLst>
           </p:cNvPr>
@@ -2106,7 +2111,7 @@
           <p:cNvPr id="4" name="Slide Number Placeholder 3">
             <a:extLst>
               <a:ext uri="{FF2B5EF4-FFF2-40B4-BE49-F238E27FC236}">
-                <a16:creationId xmlns:a16="http://schemas.microsoft.com/office/drawing/2014/main" id="{030B6C74-B7D2-55EC-4672-E95677CFECB8}"/>
+                <a16:creationId xmlns:a16="http://schemas.microsoft.com/office/drawing/2014/main" xmlns="" id="{030B6C74-B7D2-55EC-4672-E95677CFECB8}"/>
               </a:ext>
             </a:extLst>
           </p:cNvPr>
@@ -2165,7 +2170,7 @@
           <p:cNvPr id="2" name="Title 1">
             <a:extLst>
               <a:ext uri="{FF2B5EF4-FFF2-40B4-BE49-F238E27FC236}">
-                <a16:creationId xmlns:a16="http://schemas.microsoft.com/office/drawing/2014/main" id="{9ED86C6C-717E-7BEB-9090-0EE23AEB4FFA}"/>
+                <a16:creationId xmlns:a16="http://schemas.microsoft.com/office/drawing/2014/main" xmlns="" id="{9ED86C6C-717E-7BEB-9090-0EE23AEB4FFA}"/>
               </a:ext>
             </a:extLst>
           </p:cNvPr>
@@ -2202,7 +2207,7 @@
           <p:cNvPr id="3" name="Content Placeholder 2">
             <a:extLst>
               <a:ext uri="{FF2B5EF4-FFF2-40B4-BE49-F238E27FC236}">
-                <a16:creationId xmlns:a16="http://schemas.microsoft.com/office/drawing/2014/main" id="{A2BF36DF-601C-3F0E-D068-1A0F8BF20DB2}"/>
+                <a16:creationId xmlns:a16="http://schemas.microsoft.com/office/drawing/2014/main" xmlns="" id="{A2BF36DF-601C-3F0E-D068-1A0F8BF20DB2}"/>
               </a:ext>
             </a:extLst>
           </p:cNvPr>
@@ -2292,7 +2297,7 @@
           <p:cNvPr id="4" name="Text Placeholder 3">
             <a:extLst>
               <a:ext uri="{FF2B5EF4-FFF2-40B4-BE49-F238E27FC236}">
-                <a16:creationId xmlns:a16="http://schemas.microsoft.com/office/drawing/2014/main" id="{453C104D-1D2C-655D-787C-CDF9DBB653BE}"/>
+                <a16:creationId xmlns:a16="http://schemas.microsoft.com/office/drawing/2014/main" xmlns="" id="{453C104D-1D2C-655D-787C-CDF9DBB653BE}"/>
               </a:ext>
             </a:extLst>
           </p:cNvPr>
@@ -2363,7 +2368,7 @@
           <p:cNvPr id="5" name="Date Placeholder 4">
             <a:extLst>
               <a:ext uri="{FF2B5EF4-FFF2-40B4-BE49-F238E27FC236}">
-                <a16:creationId xmlns:a16="http://schemas.microsoft.com/office/drawing/2014/main" id="{46EA44A1-2DF1-B6C6-5D8F-720456270A76}"/>
+                <a16:creationId xmlns:a16="http://schemas.microsoft.com/office/drawing/2014/main" xmlns="" id="{46EA44A1-2DF1-B6C6-5D8F-720456270A76}"/>
               </a:ext>
             </a:extLst>
           </p:cNvPr>
@@ -2381,7 +2386,7 @@
           <a:p>
             <a:fld id="{6828973A-3D2A-4AC3-AEA1-A5636B67EC42}" type="datetimeFigureOut">
               <a:rPr lang="en-US" smtClean="0"/>
-              <a:t>9/2/2022</a:t>
+              <a:t>12/1/2022</a:t>
             </a:fld>
             <a:endParaRPr lang="en-US"/>
           </a:p>
@@ -2392,7 +2397,7 @@
           <p:cNvPr id="6" name="Footer Placeholder 5">
             <a:extLst>
               <a:ext uri="{FF2B5EF4-FFF2-40B4-BE49-F238E27FC236}">
-                <a16:creationId xmlns:a16="http://schemas.microsoft.com/office/drawing/2014/main" id="{14488009-1583-623B-074B-723930B61982}"/>
+                <a16:creationId xmlns:a16="http://schemas.microsoft.com/office/drawing/2014/main" xmlns="" id="{14488009-1583-623B-074B-723930B61982}"/>
               </a:ext>
             </a:extLst>
           </p:cNvPr>
@@ -2417,7 +2422,7 @@
           <p:cNvPr id="7" name="Slide Number Placeholder 6">
             <a:extLst>
               <a:ext uri="{FF2B5EF4-FFF2-40B4-BE49-F238E27FC236}">
-                <a16:creationId xmlns:a16="http://schemas.microsoft.com/office/drawing/2014/main" id="{08640CE3-3C0E-62AC-180E-9C6E500E5466}"/>
+                <a16:creationId xmlns:a16="http://schemas.microsoft.com/office/drawing/2014/main" xmlns="" id="{08640CE3-3C0E-62AC-180E-9C6E500E5466}"/>
               </a:ext>
             </a:extLst>
           </p:cNvPr>
@@ -2476,7 +2481,7 @@
           <p:cNvPr id="2" name="Title 1">
             <a:extLst>
               <a:ext uri="{FF2B5EF4-FFF2-40B4-BE49-F238E27FC236}">
-                <a16:creationId xmlns:a16="http://schemas.microsoft.com/office/drawing/2014/main" id="{10ABEDB8-4BF7-A577-D9D5-5208766AC380}"/>
+                <a16:creationId xmlns:a16="http://schemas.microsoft.com/office/drawing/2014/main" xmlns="" id="{10ABEDB8-4BF7-A577-D9D5-5208766AC380}"/>
               </a:ext>
             </a:extLst>
           </p:cNvPr>
@@ -2513,7 +2518,7 @@
           <p:cNvPr id="3" name="Picture Placeholder 2">
             <a:extLst>
               <a:ext uri="{FF2B5EF4-FFF2-40B4-BE49-F238E27FC236}">
-                <a16:creationId xmlns:a16="http://schemas.microsoft.com/office/drawing/2014/main" id="{9F7AC496-F572-2AD9-15DC-C4AEC3C62325}"/>
+                <a16:creationId xmlns:a16="http://schemas.microsoft.com/office/drawing/2014/main" xmlns="" id="{9F7AC496-F572-2AD9-15DC-C4AEC3C62325}"/>
               </a:ext>
             </a:extLst>
           </p:cNvPr>
@@ -2580,7 +2585,7 @@
           <p:cNvPr id="4" name="Text Placeholder 3">
             <a:extLst>
               <a:ext uri="{FF2B5EF4-FFF2-40B4-BE49-F238E27FC236}">
-                <a16:creationId xmlns:a16="http://schemas.microsoft.com/office/drawing/2014/main" id="{A033EC1B-4896-990E-2DD1-D3C80B4C0A7F}"/>
+                <a16:creationId xmlns:a16="http://schemas.microsoft.com/office/drawing/2014/main" xmlns="" id="{A033EC1B-4896-990E-2DD1-D3C80B4C0A7F}"/>
               </a:ext>
             </a:extLst>
           </p:cNvPr>
@@ -2651,7 +2656,7 @@
           <p:cNvPr id="5" name="Date Placeholder 4">
             <a:extLst>
               <a:ext uri="{FF2B5EF4-FFF2-40B4-BE49-F238E27FC236}">
-                <a16:creationId xmlns:a16="http://schemas.microsoft.com/office/drawing/2014/main" id="{BDAC9251-823A-9A93-3D1D-F548E271B148}"/>
+                <a16:creationId xmlns:a16="http://schemas.microsoft.com/office/drawing/2014/main" xmlns="" id="{BDAC9251-823A-9A93-3D1D-F548E271B148}"/>
               </a:ext>
             </a:extLst>
           </p:cNvPr>
@@ -2669,7 +2674,7 @@
           <a:p>
             <a:fld id="{6828973A-3D2A-4AC3-AEA1-A5636B67EC42}" type="datetimeFigureOut">
               <a:rPr lang="en-US" smtClean="0"/>
-              <a:t>9/2/2022</a:t>
+              <a:t>12/1/2022</a:t>
             </a:fld>
             <a:endParaRPr lang="en-US"/>
           </a:p>
@@ -2680,7 +2685,7 @@
           <p:cNvPr id="6" name="Footer Placeholder 5">
             <a:extLst>
               <a:ext uri="{FF2B5EF4-FFF2-40B4-BE49-F238E27FC236}">
-                <a16:creationId xmlns:a16="http://schemas.microsoft.com/office/drawing/2014/main" id="{B0FBE637-A41B-3107-1159-CCDB3AFC1AAD}"/>
+                <a16:creationId xmlns:a16="http://schemas.microsoft.com/office/drawing/2014/main" xmlns="" id="{B0FBE637-A41B-3107-1159-CCDB3AFC1AAD}"/>
               </a:ext>
             </a:extLst>
           </p:cNvPr>
@@ -2705,7 +2710,7 @@
           <p:cNvPr id="7" name="Slide Number Placeholder 6">
             <a:extLst>
               <a:ext uri="{FF2B5EF4-FFF2-40B4-BE49-F238E27FC236}">
-                <a16:creationId xmlns:a16="http://schemas.microsoft.com/office/drawing/2014/main" id="{33602651-D7B8-F915-5DC7-D478AAFE11AE}"/>
+                <a16:creationId xmlns:a16="http://schemas.microsoft.com/office/drawing/2014/main" xmlns="" id="{33602651-D7B8-F915-5DC7-D478AAFE11AE}"/>
               </a:ext>
             </a:extLst>
           </p:cNvPr>
@@ -2769,7 +2774,7 @@
           <p:cNvPr id="2" name="Title Placeholder 1">
             <a:extLst>
               <a:ext uri="{FF2B5EF4-FFF2-40B4-BE49-F238E27FC236}">
-                <a16:creationId xmlns:a16="http://schemas.microsoft.com/office/drawing/2014/main" id="{8254B02B-CDC1-3DAD-97D5-5E15FFD6670F}"/>
+                <a16:creationId xmlns:a16="http://schemas.microsoft.com/office/drawing/2014/main" xmlns="" id="{8254B02B-CDC1-3DAD-97D5-5E15FFD6670F}"/>
               </a:ext>
             </a:extLst>
           </p:cNvPr>
@@ -2807,7 +2812,7 @@
           <p:cNvPr id="3" name="Text Placeholder 2">
             <a:extLst>
               <a:ext uri="{FF2B5EF4-FFF2-40B4-BE49-F238E27FC236}">
-                <a16:creationId xmlns:a16="http://schemas.microsoft.com/office/drawing/2014/main" id="{AB8AEAED-3E1F-A3B6-B973-B4A2F1E1DC17}"/>
+                <a16:creationId xmlns:a16="http://schemas.microsoft.com/office/drawing/2014/main" xmlns="" id="{AB8AEAED-3E1F-A3B6-B973-B4A2F1E1DC17}"/>
               </a:ext>
             </a:extLst>
           </p:cNvPr>
@@ -2874,7 +2879,7 @@
           <p:cNvPr id="4" name="Date Placeholder 3">
             <a:extLst>
               <a:ext uri="{FF2B5EF4-FFF2-40B4-BE49-F238E27FC236}">
-                <a16:creationId xmlns:a16="http://schemas.microsoft.com/office/drawing/2014/main" id="{AC1E8FC4-468D-F54C-ABC5-0EDDDD99931E}"/>
+                <a16:creationId xmlns:a16="http://schemas.microsoft.com/office/drawing/2014/main" xmlns="" id="{AC1E8FC4-468D-F54C-ABC5-0EDDDD99931E}"/>
               </a:ext>
             </a:extLst>
           </p:cNvPr>
@@ -2910,7 +2915,7 @@
           <a:p>
             <a:fld id="{6828973A-3D2A-4AC3-AEA1-A5636B67EC42}" type="datetimeFigureOut">
               <a:rPr lang="en-US" smtClean="0"/>
-              <a:t>9/2/2022</a:t>
+              <a:t>12/1/2022</a:t>
             </a:fld>
             <a:endParaRPr lang="en-US"/>
           </a:p>
@@ -2921,7 +2926,7 @@
           <p:cNvPr id="5" name="Footer Placeholder 4">
             <a:extLst>
               <a:ext uri="{FF2B5EF4-FFF2-40B4-BE49-F238E27FC236}">
-                <a16:creationId xmlns:a16="http://schemas.microsoft.com/office/drawing/2014/main" id="{218487DA-2E69-E82F-5F91-978790887A64}"/>
+                <a16:creationId xmlns:a16="http://schemas.microsoft.com/office/drawing/2014/main" xmlns="" id="{218487DA-2E69-E82F-5F91-978790887A64}"/>
               </a:ext>
             </a:extLst>
           </p:cNvPr>
@@ -2964,7 +2969,7 @@
           <p:cNvPr id="6" name="Slide Number Placeholder 5">
             <a:extLst>
               <a:ext uri="{FF2B5EF4-FFF2-40B4-BE49-F238E27FC236}">
-                <a16:creationId xmlns:a16="http://schemas.microsoft.com/office/drawing/2014/main" id="{A9AE7095-DBFA-2BAF-9370-F8B3BEA794BC}"/>
+                <a16:creationId xmlns:a16="http://schemas.microsoft.com/office/drawing/2014/main" xmlns="" id="{A9AE7095-DBFA-2BAF-9370-F8B3BEA794BC}"/>
               </a:ext>
             </a:extLst>
           </p:cNvPr>
@@ -3332,7 +3337,7 @@
           <p:cNvPr id="2" name="Title 1">
             <a:extLst>
               <a:ext uri="{FF2B5EF4-FFF2-40B4-BE49-F238E27FC236}">
-                <a16:creationId xmlns:a16="http://schemas.microsoft.com/office/drawing/2014/main" id="{1CDCC4AC-20F0-32E5-E433-A70A8BF2A209}"/>
+                <a16:creationId xmlns:a16="http://schemas.microsoft.com/office/drawing/2014/main" xmlns="" id="{1CDCC4AC-20F0-32E5-E433-A70A8BF2A209}"/>
               </a:ext>
             </a:extLst>
           </p:cNvPr>
@@ -3364,6 +3369,823 @@
     <p:extLst>
       <p:ext uri="{BB962C8B-B14F-4D97-AF65-F5344CB8AC3E}">
         <p14:creationId xmlns:p14="http://schemas.microsoft.com/office/powerpoint/2010/main" val="3451753777"/>
+      </p:ext>
+    </p:extLst>
+  </p:cSld>
+  <p:clrMapOvr>
+    <a:masterClrMapping/>
+  </p:clrMapOvr>
+</p:sld>
+</file>
+
+<file path=ppt/slides/slide10.xml><?xml version="1.0" encoding="utf-8"?>
+<p:sld xmlns:a="http://schemas.openxmlformats.org/drawingml/2006/main" xmlns:r="http://schemas.openxmlformats.org/officeDocument/2006/relationships" xmlns:p="http://schemas.openxmlformats.org/presentationml/2006/main">
+  <p:cSld>
+    <p:spTree>
+      <p:nvGrpSpPr>
+        <p:cNvPr id="1" name=""/>
+        <p:cNvGrpSpPr/>
+        <p:nvPr/>
+      </p:nvGrpSpPr>
+      <p:grpSpPr>
+        <a:xfrm>
+          <a:off x="0" y="0"/>
+          <a:ext cx="0" cy="0"/>
+          <a:chOff x="0" y="0"/>
+          <a:chExt cx="0" cy="0"/>
+        </a:xfrm>
+      </p:grpSpPr>
+      <p:sp>
+        <p:nvSpPr>
+          <p:cNvPr id="2" name="Title 1"/>
+          <p:cNvSpPr>
+            <a:spLocks noGrp="1"/>
+          </p:cNvSpPr>
+          <p:nvPr>
+            <p:ph type="title"/>
+          </p:nvPr>
+        </p:nvSpPr>
+        <p:spPr/>
+        <p:txBody>
+          <a:bodyPr/>
+          <a:lstStyle/>
+          <a:p>
+            <a:r>
+              <a:rPr lang="en-US" dirty="0" smtClean="0"/>
+              <a:t>Redid Hall Probe Scan</a:t>
+            </a:r>
+            <a:endParaRPr lang="en-US" dirty="0"/>
+          </a:p>
+        </p:txBody>
+      </p:sp>
+      <p:sp>
+        <p:nvSpPr>
+          <p:cNvPr id="3" name="Content Placeholder 2"/>
+          <p:cNvSpPr>
+            <a:spLocks noGrp="1"/>
+          </p:cNvSpPr>
+          <p:nvPr>
+            <p:ph idx="1"/>
+          </p:nvPr>
+        </p:nvSpPr>
+        <p:spPr>
+          <a:xfrm>
+            <a:off x="838200" y="1825625"/>
+            <a:ext cx="6207579" cy="2166712"/>
+          </a:xfrm>
+        </p:spPr>
+        <p:txBody>
+          <a:bodyPr/>
+          <a:lstStyle/>
+          <a:p>
+            <a:r>
+              <a:rPr lang="en-US" dirty="0" smtClean="0"/>
+              <a:t>I changed nothing for the magnets or probe setup.</a:t>
+            </a:r>
+          </a:p>
+          <a:p>
+            <a:r>
+              <a:rPr lang="en-US" dirty="0" smtClean="0"/>
+              <a:t>Offset and twist fits are very similar.</a:t>
+            </a:r>
+          </a:p>
+          <a:p>
+            <a:pPr lvl="1"/>
+            <a:r>
+              <a:rPr lang="en-US" dirty="0" smtClean="0"/>
+              <a:t>Slight constant offset in twist. Could be due to different clamping of </a:t>
+            </a:r>
+            <a:r>
+              <a:rPr lang="en-US" dirty="0" err="1" smtClean="0"/>
+              <a:t>flatpiece</a:t>
+            </a:r>
+            <a:r>
+              <a:rPr lang="en-US" dirty="0" smtClean="0"/>
+              <a:t>?</a:t>
+            </a:r>
+          </a:p>
+          <a:p>
+            <a:endParaRPr lang="en-US" dirty="0" smtClean="0"/>
+          </a:p>
+          <a:p>
+            <a:endParaRPr lang="en-US" dirty="0"/>
+          </a:p>
+        </p:txBody>
+      </p:sp>
+      <p:pic>
+        <p:nvPicPr>
+          <p:cNvPr id="3074" name="Picture 2"/>
+          <p:cNvPicPr>
+            <a:picLocks noChangeAspect="1" noChangeArrowheads="1"/>
+          </p:cNvPicPr>
+          <p:nvPr/>
+        </p:nvPicPr>
+        <p:blipFill>
+          <a:blip r:embed="rId2">
+            <a:extLst>
+              <a:ext uri="{28A0092B-C50C-407E-A947-70E740481C1C}">
+                <a14:useLocalDpi xmlns:a14="http://schemas.microsoft.com/office/drawing/2010/main" val="0"/>
+              </a:ext>
+            </a:extLst>
+          </a:blip>
+          <a:srcRect/>
+          <a:stretch>
+            <a:fillRect/>
+          </a:stretch>
+        </p:blipFill>
+        <p:spPr bwMode="auto">
+          <a:xfrm>
+            <a:off x="465512" y="3992337"/>
+            <a:ext cx="11621096" cy="2865664"/>
+          </a:xfrm>
+          <a:prstGeom prst="rect">
+            <a:avLst/>
+          </a:prstGeom>
+          <a:noFill/>
+          <a:ln>
+            <a:noFill/>
+          </a:ln>
+          <a:extLst>
+            <a:ext uri="{909E8E84-426E-40DD-AFC4-6F175D3DCCD1}">
+              <a14:hiddenFill xmlns:a14="http://schemas.microsoft.com/office/drawing/2010/main">
+                <a:solidFill>
+                  <a:schemeClr val="accent1"/>
+                </a:solidFill>
+              </a14:hiddenFill>
+            </a:ext>
+            <a:ext uri="{91240B29-F687-4F45-9708-019B960494DF}">
+              <a14:hiddenLine xmlns:a14="http://schemas.microsoft.com/office/drawing/2010/main" w="9525">
+                <a:solidFill>
+                  <a:schemeClr val="tx1"/>
+                </a:solidFill>
+                <a:miter lim="800000"/>
+                <a:headEnd/>
+                <a:tailEnd/>
+              </a14:hiddenLine>
+            </a:ext>
+          </a:extLst>
+        </p:spPr>
+      </p:pic>
+      <p:pic>
+        <p:nvPicPr>
+          <p:cNvPr id="3075" name="Picture 3"/>
+          <p:cNvPicPr>
+            <a:picLocks noChangeAspect="1" noChangeArrowheads="1"/>
+          </p:cNvPicPr>
+          <p:nvPr/>
+        </p:nvPicPr>
+        <p:blipFill>
+          <a:blip r:embed="rId3">
+            <a:extLst>
+              <a:ext uri="{28A0092B-C50C-407E-A947-70E740481C1C}">
+                <a14:useLocalDpi xmlns:a14="http://schemas.microsoft.com/office/drawing/2010/main" val="0"/>
+              </a:ext>
+            </a:extLst>
+          </a:blip>
+          <a:srcRect/>
+          <a:stretch>
+            <a:fillRect/>
+          </a:stretch>
+        </p:blipFill>
+        <p:spPr bwMode="auto">
+          <a:xfrm>
+            <a:off x="6643118" y="1836964"/>
+            <a:ext cx="5651282" cy="2155373"/>
+          </a:xfrm>
+          <a:prstGeom prst="rect">
+            <a:avLst/>
+          </a:prstGeom>
+          <a:noFill/>
+          <a:ln>
+            <a:noFill/>
+          </a:ln>
+          <a:extLst>
+            <a:ext uri="{909E8E84-426E-40DD-AFC4-6F175D3DCCD1}">
+              <a14:hiddenFill xmlns:a14="http://schemas.microsoft.com/office/drawing/2010/main">
+                <a:solidFill>
+                  <a:schemeClr val="accent1"/>
+                </a:solidFill>
+              </a14:hiddenFill>
+            </a:ext>
+            <a:ext uri="{91240B29-F687-4F45-9708-019B960494DF}">
+              <a14:hiddenLine xmlns:a14="http://schemas.microsoft.com/office/drawing/2010/main" w="9525">
+                <a:solidFill>
+                  <a:schemeClr val="tx1"/>
+                </a:solidFill>
+                <a:miter lim="800000"/>
+                <a:headEnd/>
+                <a:tailEnd/>
+              </a14:hiddenLine>
+            </a:ext>
+          </a:extLst>
+        </p:spPr>
+      </p:pic>
+    </p:spTree>
+    <p:extLst>
+      <p:ext uri="{BB962C8B-B14F-4D97-AF65-F5344CB8AC3E}">
+        <p14:creationId xmlns:p14="http://schemas.microsoft.com/office/powerpoint/2010/main" val="2736818542"/>
+      </p:ext>
+    </p:extLst>
+  </p:cSld>
+  <p:clrMapOvr>
+    <a:masterClrMapping/>
+  </p:clrMapOvr>
+</p:sld>
+</file>
+
+<file path=ppt/slides/slide11.xml><?xml version="1.0" encoding="utf-8"?>
+<p:sld xmlns:a="http://schemas.openxmlformats.org/drawingml/2006/main" xmlns:r="http://schemas.openxmlformats.org/officeDocument/2006/relationships" xmlns:p="http://schemas.openxmlformats.org/presentationml/2006/main">
+  <p:cSld>
+    <p:spTree>
+      <p:nvGrpSpPr>
+        <p:cNvPr id="1" name=""/>
+        <p:cNvGrpSpPr/>
+        <p:nvPr/>
+      </p:nvGrpSpPr>
+      <p:grpSpPr>
+        <a:xfrm>
+          <a:off x="0" y="0"/>
+          <a:ext cx="0" cy="0"/>
+          <a:chOff x="0" y="0"/>
+          <a:chExt cx="0" cy="0"/>
+        </a:xfrm>
+      </p:grpSpPr>
+      <p:sp>
+        <p:nvSpPr>
+          <p:cNvPr id="2" name="Title 1"/>
+          <p:cNvSpPr>
+            <a:spLocks noGrp="1"/>
+          </p:cNvSpPr>
+          <p:nvPr>
+            <p:ph type="title"/>
+          </p:nvPr>
+        </p:nvSpPr>
+        <p:spPr/>
+        <p:txBody>
+          <a:bodyPr/>
+          <a:lstStyle/>
+          <a:p>
+            <a:r>
+              <a:rPr lang="en-US" dirty="0" smtClean="0"/>
+              <a:t>Shift in twist value?</a:t>
+            </a:r>
+            <a:endParaRPr lang="en-US" dirty="0"/>
+          </a:p>
+        </p:txBody>
+      </p:sp>
+      <p:sp>
+        <p:nvSpPr>
+          <p:cNvPr id="3" name="Content Placeholder 2"/>
+          <p:cNvSpPr>
+            <a:spLocks noGrp="1"/>
+          </p:cNvSpPr>
+          <p:nvPr>
+            <p:ph idx="1"/>
+          </p:nvPr>
+        </p:nvSpPr>
+        <p:spPr>
+          <a:xfrm>
+            <a:off x="8675566" y="34147"/>
+            <a:ext cx="3393621" cy="1486582"/>
+          </a:xfrm>
+        </p:spPr>
+        <p:txBody>
+          <a:bodyPr/>
+          <a:lstStyle/>
+          <a:p>
+            <a:r>
+              <a:rPr lang="en-US" dirty="0" smtClean="0"/>
+              <a:t>It does affect curvature, but only in x </a:t>
+            </a:r>
+            <a:r>
+              <a:rPr lang="en-US" dirty="0" err="1" smtClean="0"/>
+              <a:t>traj</a:t>
+            </a:r>
+            <a:r>
+              <a:rPr lang="en-US" dirty="0" smtClean="0"/>
+              <a:t>?</a:t>
+            </a:r>
+            <a:endParaRPr lang="en-US" dirty="0"/>
+          </a:p>
+        </p:txBody>
+      </p:sp>
+      <p:pic>
+        <p:nvPicPr>
+          <p:cNvPr id="4099" name="Picture 3"/>
+          <p:cNvPicPr>
+            <a:picLocks noChangeAspect="1" noChangeArrowheads="1"/>
+          </p:cNvPicPr>
+          <p:nvPr/>
+        </p:nvPicPr>
+        <p:blipFill>
+          <a:blip r:embed="rId2">
+            <a:extLst>
+              <a:ext uri="{28A0092B-C50C-407E-A947-70E740481C1C}">
+                <a14:useLocalDpi xmlns:a14="http://schemas.microsoft.com/office/drawing/2010/main" val="0"/>
+              </a:ext>
+            </a:extLst>
+          </a:blip>
+          <a:srcRect/>
+          <a:stretch>
+            <a:fillRect/>
+          </a:stretch>
+        </p:blipFill>
+        <p:spPr bwMode="auto">
+          <a:xfrm>
+            <a:off x="6985558" y="4234144"/>
+            <a:ext cx="3376945" cy="2737524"/>
+          </a:xfrm>
+          <a:prstGeom prst="rect">
+            <a:avLst/>
+          </a:prstGeom>
+          <a:noFill/>
+          <a:ln>
+            <a:noFill/>
+          </a:ln>
+          <a:extLst>
+            <a:ext uri="{909E8E84-426E-40DD-AFC4-6F175D3DCCD1}">
+              <a14:hiddenFill xmlns:a14="http://schemas.microsoft.com/office/drawing/2010/main">
+                <a:solidFill>
+                  <a:schemeClr val="accent1"/>
+                </a:solidFill>
+              </a14:hiddenFill>
+            </a:ext>
+            <a:ext uri="{91240B29-F687-4F45-9708-019B960494DF}">
+              <a14:hiddenLine xmlns:a14="http://schemas.microsoft.com/office/drawing/2010/main" w="9525">
+                <a:solidFill>
+                  <a:schemeClr val="tx1"/>
+                </a:solidFill>
+                <a:miter lim="800000"/>
+                <a:headEnd/>
+                <a:tailEnd/>
+              </a14:hiddenLine>
+            </a:ext>
+          </a:extLst>
+        </p:spPr>
+      </p:pic>
+      <p:pic>
+        <p:nvPicPr>
+          <p:cNvPr id="4100" name="Picture 4"/>
+          <p:cNvPicPr>
+            <a:picLocks noChangeAspect="1" noChangeArrowheads="1"/>
+          </p:cNvPicPr>
+          <p:nvPr/>
+        </p:nvPicPr>
+        <p:blipFill>
+          <a:blip r:embed="rId3">
+            <a:extLst>
+              <a:ext uri="{28A0092B-C50C-407E-A947-70E740481C1C}">
+                <a14:useLocalDpi xmlns:a14="http://schemas.microsoft.com/office/drawing/2010/main" val="0"/>
+              </a:ext>
+            </a:extLst>
+          </a:blip>
+          <a:srcRect/>
+          <a:stretch>
+            <a:fillRect/>
+          </a:stretch>
+        </p:blipFill>
+        <p:spPr bwMode="auto">
+          <a:xfrm>
+            <a:off x="3690015" y="4184195"/>
+            <a:ext cx="3346331" cy="2787473"/>
+          </a:xfrm>
+          <a:prstGeom prst="rect">
+            <a:avLst/>
+          </a:prstGeom>
+          <a:noFill/>
+          <a:ln>
+            <a:noFill/>
+          </a:ln>
+          <a:extLst>
+            <a:ext uri="{909E8E84-426E-40DD-AFC4-6F175D3DCCD1}">
+              <a14:hiddenFill xmlns:a14="http://schemas.microsoft.com/office/drawing/2010/main">
+                <a:solidFill>
+                  <a:schemeClr val="accent1"/>
+                </a:solidFill>
+              </a14:hiddenFill>
+            </a:ext>
+            <a:ext uri="{91240B29-F687-4F45-9708-019B960494DF}">
+              <a14:hiddenLine xmlns:a14="http://schemas.microsoft.com/office/drawing/2010/main" w="9525">
+                <a:solidFill>
+                  <a:schemeClr val="tx1"/>
+                </a:solidFill>
+                <a:miter lim="800000"/>
+                <a:headEnd/>
+                <a:tailEnd/>
+              </a14:hiddenLine>
+            </a:ext>
+          </a:extLst>
+        </p:spPr>
+      </p:pic>
+      <p:pic>
+        <p:nvPicPr>
+          <p:cNvPr id="4101" name="Picture 5"/>
+          <p:cNvPicPr>
+            <a:picLocks noChangeAspect="1" noChangeArrowheads="1"/>
+          </p:cNvPicPr>
+          <p:nvPr/>
+        </p:nvPicPr>
+        <p:blipFill>
+          <a:blip r:embed="rId4">
+            <a:extLst>
+              <a:ext uri="{28A0092B-C50C-407E-A947-70E740481C1C}">
+                <a14:useLocalDpi xmlns:a14="http://schemas.microsoft.com/office/drawing/2010/main" val="0"/>
+              </a:ext>
+            </a:extLst>
+          </a:blip>
+          <a:srcRect/>
+          <a:stretch>
+            <a:fillRect/>
+          </a:stretch>
+        </p:blipFill>
+        <p:spPr bwMode="auto">
+          <a:xfrm>
+            <a:off x="271796" y="4184194"/>
+            <a:ext cx="3535136" cy="2895650"/>
+          </a:xfrm>
+          <a:prstGeom prst="rect">
+            <a:avLst/>
+          </a:prstGeom>
+          <a:noFill/>
+          <a:ln>
+            <a:noFill/>
+          </a:ln>
+          <a:extLst>
+            <a:ext uri="{909E8E84-426E-40DD-AFC4-6F175D3DCCD1}">
+              <a14:hiddenFill xmlns:a14="http://schemas.microsoft.com/office/drawing/2010/main">
+                <a:solidFill>
+                  <a:schemeClr val="accent1"/>
+                </a:solidFill>
+              </a14:hiddenFill>
+            </a:ext>
+            <a:ext uri="{91240B29-F687-4F45-9708-019B960494DF}">
+              <a14:hiddenLine xmlns:a14="http://schemas.microsoft.com/office/drawing/2010/main" w="9525">
+                <a:solidFill>
+                  <a:schemeClr val="tx1"/>
+                </a:solidFill>
+                <a:miter lim="800000"/>
+                <a:headEnd/>
+                <a:tailEnd/>
+              </a14:hiddenLine>
+            </a:ext>
+          </a:extLst>
+        </p:spPr>
+      </p:pic>
+      <p:pic>
+        <p:nvPicPr>
+          <p:cNvPr id="4102" name="Picture 6"/>
+          <p:cNvPicPr>
+            <a:picLocks noChangeAspect="1" noChangeArrowheads="1"/>
+          </p:cNvPicPr>
+          <p:nvPr/>
+        </p:nvPicPr>
+        <p:blipFill>
+          <a:blip r:embed="rId5">
+            <a:extLst>
+              <a:ext uri="{28A0092B-C50C-407E-A947-70E740481C1C}">
+                <a14:useLocalDpi xmlns:a14="http://schemas.microsoft.com/office/drawing/2010/main" val="0"/>
+              </a:ext>
+            </a:extLst>
+          </a:blip>
+          <a:srcRect/>
+          <a:stretch>
+            <a:fillRect/>
+          </a:stretch>
+        </p:blipFill>
+        <p:spPr bwMode="auto">
+          <a:xfrm>
+            <a:off x="340994" y="1480256"/>
+            <a:ext cx="3396740" cy="2703939"/>
+          </a:xfrm>
+          <a:prstGeom prst="rect">
+            <a:avLst/>
+          </a:prstGeom>
+          <a:noFill/>
+          <a:ln>
+            <a:noFill/>
+          </a:ln>
+          <a:extLst>
+            <a:ext uri="{909E8E84-426E-40DD-AFC4-6F175D3DCCD1}">
+              <a14:hiddenFill xmlns:a14="http://schemas.microsoft.com/office/drawing/2010/main">
+                <a:solidFill>
+                  <a:schemeClr val="accent1"/>
+                </a:solidFill>
+              </a14:hiddenFill>
+            </a:ext>
+            <a:ext uri="{91240B29-F687-4F45-9708-019B960494DF}">
+              <a14:hiddenLine xmlns:a14="http://schemas.microsoft.com/office/drawing/2010/main" w="9525">
+                <a:solidFill>
+                  <a:schemeClr val="tx1"/>
+                </a:solidFill>
+                <a:miter lim="800000"/>
+                <a:headEnd/>
+                <a:tailEnd/>
+              </a14:hiddenLine>
+            </a:ext>
+          </a:extLst>
+        </p:spPr>
+      </p:pic>
+      <p:pic>
+        <p:nvPicPr>
+          <p:cNvPr id="4103" name="Picture 7"/>
+          <p:cNvPicPr>
+            <a:picLocks noChangeAspect="1" noChangeArrowheads="1"/>
+          </p:cNvPicPr>
+          <p:nvPr/>
+        </p:nvPicPr>
+        <p:blipFill>
+          <a:blip r:embed="rId6">
+            <a:extLst>
+              <a:ext uri="{28A0092B-C50C-407E-A947-70E740481C1C}">
+                <a14:useLocalDpi xmlns:a14="http://schemas.microsoft.com/office/drawing/2010/main" val="0"/>
+              </a:ext>
+            </a:extLst>
+          </a:blip>
+          <a:srcRect/>
+          <a:stretch>
+            <a:fillRect/>
+          </a:stretch>
+        </p:blipFill>
+        <p:spPr bwMode="auto">
+          <a:xfrm>
+            <a:off x="3737734" y="1520729"/>
+            <a:ext cx="3250895" cy="2663465"/>
+          </a:xfrm>
+          <a:prstGeom prst="rect">
+            <a:avLst/>
+          </a:prstGeom>
+          <a:noFill/>
+          <a:ln>
+            <a:noFill/>
+          </a:ln>
+          <a:extLst>
+            <a:ext uri="{909E8E84-426E-40DD-AFC4-6F175D3DCCD1}">
+              <a14:hiddenFill xmlns:a14="http://schemas.microsoft.com/office/drawing/2010/main">
+                <a:solidFill>
+                  <a:schemeClr val="accent1"/>
+                </a:solidFill>
+              </a14:hiddenFill>
+            </a:ext>
+            <a:ext uri="{91240B29-F687-4F45-9708-019B960494DF}">
+              <a14:hiddenLine xmlns:a14="http://schemas.microsoft.com/office/drawing/2010/main" w="9525">
+                <a:solidFill>
+                  <a:schemeClr val="tx1"/>
+                </a:solidFill>
+                <a:miter lim="800000"/>
+                <a:headEnd/>
+                <a:tailEnd/>
+              </a14:hiddenLine>
+            </a:ext>
+          </a:extLst>
+        </p:spPr>
+      </p:pic>
+      <p:pic>
+        <p:nvPicPr>
+          <p:cNvPr id="4104" name="Picture 8"/>
+          <p:cNvPicPr>
+            <a:picLocks noChangeAspect="1" noChangeArrowheads="1"/>
+          </p:cNvPicPr>
+          <p:nvPr/>
+        </p:nvPicPr>
+        <p:blipFill>
+          <a:blip r:embed="rId7">
+            <a:extLst>
+              <a:ext uri="{28A0092B-C50C-407E-A947-70E740481C1C}">
+                <a14:useLocalDpi xmlns:a14="http://schemas.microsoft.com/office/drawing/2010/main" val="0"/>
+              </a:ext>
+            </a:extLst>
+          </a:blip>
+          <a:srcRect/>
+          <a:stretch>
+            <a:fillRect/>
+          </a:stretch>
+        </p:blipFill>
+        <p:spPr bwMode="auto">
+          <a:xfrm>
+            <a:off x="6988629" y="1520729"/>
+            <a:ext cx="3373875" cy="2771642"/>
+          </a:xfrm>
+          <a:prstGeom prst="rect">
+            <a:avLst/>
+          </a:prstGeom>
+          <a:noFill/>
+          <a:ln>
+            <a:noFill/>
+          </a:ln>
+          <a:extLst>
+            <a:ext uri="{909E8E84-426E-40DD-AFC4-6F175D3DCCD1}">
+              <a14:hiddenFill xmlns:a14="http://schemas.microsoft.com/office/drawing/2010/main">
+                <a:solidFill>
+                  <a:schemeClr val="accent1"/>
+                </a:solidFill>
+              </a14:hiddenFill>
+            </a:ext>
+            <a:ext uri="{91240B29-F687-4F45-9708-019B960494DF}">
+              <a14:hiddenLine xmlns:a14="http://schemas.microsoft.com/office/drawing/2010/main" w="9525">
+                <a:solidFill>
+                  <a:schemeClr val="tx1"/>
+                </a:solidFill>
+                <a:miter lim="800000"/>
+                <a:headEnd/>
+                <a:tailEnd/>
+              </a14:hiddenLine>
+            </a:ext>
+          </a:extLst>
+        </p:spPr>
+      </p:pic>
+    </p:spTree>
+    <p:extLst>
+      <p:ext uri="{BB962C8B-B14F-4D97-AF65-F5344CB8AC3E}">
+        <p14:creationId xmlns:p14="http://schemas.microsoft.com/office/powerpoint/2010/main" val="580458162"/>
+      </p:ext>
+    </p:extLst>
+  </p:cSld>
+  <p:clrMapOvr>
+    <a:masterClrMapping/>
+  </p:clrMapOvr>
+</p:sld>
+</file>
+
+<file path=ppt/slides/slide12.xml><?xml version="1.0" encoding="utf-8"?>
+<p:sld xmlns:a="http://schemas.openxmlformats.org/drawingml/2006/main" xmlns:r="http://schemas.openxmlformats.org/officeDocument/2006/relationships" xmlns:p="http://schemas.openxmlformats.org/presentationml/2006/main">
+  <p:cSld>
+    <p:spTree>
+      <p:nvGrpSpPr>
+        <p:cNvPr id="1" name=""/>
+        <p:cNvGrpSpPr/>
+        <p:nvPr/>
+      </p:nvGrpSpPr>
+      <p:grpSpPr>
+        <a:xfrm>
+          <a:off x="0" y="0"/>
+          <a:ext cx="0" cy="0"/>
+          <a:chOff x="0" y="0"/>
+          <a:chExt cx="0" cy="0"/>
+        </a:xfrm>
+      </p:grpSpPr>
+      <p:sp>
+        <p:nvSpPr>
+          <p:cNvPr id="2" name="Title 1"/>
+          <p:cNvSpPr>
+            <a:spLocks noGrp="1"/>
+          </p:cNvSpPr>
+          <p:nvPr>
+            <p:ph type="title"/>
+          </p:nvPr>
+        </p:nvSpPr>
+        <p:spPr/>
+        <p:txBody>
+          <a:bodyPr/>
+          <a:lstStyle/>
+          <a:p>
+            <a:r>
+              <a:rPr lang="en-US" dirty="0" smtClean="0"/>
+              <a:t>Reset Tweezers</a:t>
+            </a:r>
+            <a:endParaRPr lang="en-US" dirty="0"/>
+          </a:p>
+        </p:txBody>
+      </p:sp>
+      <p:sp>
+        <p:nvSpPr>
+          <p:cNvPr id="3" name="Content Placeholder 2"/>
+          <p:cNvSpPr>
+            <a:spLocks noGrp="1"/>
+          </p:cNvSpPr>
+          <p:nvPr>
+            <p:ph idx="1"/>
+          </p:nvPr>
+        </p:nvSpPr>
+        <p:spPr>
+          <a:xfrm>
+            <a:off x="838200" y="1825625"/>
+            <a:ext cx="4435929" cy="1807482"/>
+          </a:xfrm>
+        </p:spPr>
+        <p:txBody>
+          <a:bodyPr/>
+          <a:lstStyle/>
+          <a:p>
+            <a:r>
+              <a:rPr lang="en-US" dirty="0" smtClean="0"/>
+              <a:t>No difference. Hall probe measurements are consistent.</a:t>
+            </a:r>
+            <a:endParaRPr lang="en-US" dirty="0"/>
+          </a:p>
+        </p:txBody>
+      </p:sp>
+      <p:pic>
+        <p:nvPicPr>
+          <p:cNvPr id="5123" name="Picture 3"/>
+          <p:cNvPicPr>
+            <a:picLocks noChangeAspect="1" noChangeArrowheads="1"/>
+          </p:cNvPicPr>
+          <p:nvPr/>
+        </p:nvPicPr>
+        <p:blipFill>
+          <a:blip r:embed="rId2">
+            <a:extLst>
+              <a:ext uri="{28A0092B-C50C-407E-A947-70E740481C1C}">
+                <a14:useLocalDpi xmlns:a14="http://schemas.microsoft.com/office/drawing/2010/main" val="0"/>
+              </a:ext>
+            </a:extLst>
+          </a:blip>
+          <a:srcRect/>
+          <a:stretch>
+            <a:fillRect/>
+          </a:stretch>
+        </p:blipFill>
+        <p:spPr bwMode="auto">
+          <a:xfrm>
+            <a:off x="106024" y="3857363"/>
+            <a:ext cx="12009776" cy="3000637"/>
+          </a:xfrm>
+          <a:prstGeom prst="rect">
+            <a:avLst/>
+          </a:prstGeom>
+          <a:noFill/>
+          <a:ln>
+            <a:noFill/>
+          </a:ln>
+          <a:extLst>
+            <a:ext uri="{909E8E84-426E-40DD-AFC4-6F175D3DCCD1}">
+              <a14:hiddenFill xmlns:a14="http://schemas.microsoft.com/office/drawing/2010/main">
+                <a:solidFill>
+                  <a:schemeClr val="accent1"/>
+                </a:solidFill>
+              </a14:hiddenFill>
+            </a:ext>
+            <a:ext uri="{91240B29-F687-4F45-9708-019B960494DF}">
+              <a14:hiddenLine xmlns:a14="http://schemas.microsoft.com/office/drawing/2010/main" w="9525">
+                <a:solidFill>
+                  <a:schemeClr val="tx1"/>
+                </a:solidFill>
+                <a:miter lim="800000"/>
+                <a:headEnd/>
+                <a:tailEnd/>
+              </a14:hiddenLine>
+            </a:ext>
+          </a:extLst>
+        </p:spPr>
+      </p:pic>
+      <p:pic>
+        <p:nvPicPr>
+          <p:cNvPr id="5124" name="Picture 4"/>
+          <p:cNvPicPr>
+            <a:picLocks noChangeAspect="1" noChangeArrowheads="1"/>
+          </p:cNvPicPr>
+          <p:nvPr/>
+        </p:nvPicPr>
+        <p:blipFill>
+          <a:blip r:embed="rId3">
+            <a:extLst>
+              <a:ext uri="{28A0092B-C50C-407E-A947-70E740481C1C}">
+                <a14:useLocalDpi xmlns:a14="http://schemas.microsoft.com/office/drawing/2010/main" val="0"/>
+              </a:ext>
+            </a:extLst>
+          </a:blip>
+          <a:srcRect/>
+          <a:stretch>
+            <a:fillRect/>
+          </a:stretch>
+        </p:blipFill>
+        <p:spPr bwMode="auto">
+          <a:xfrm>
+            <a:off x="5332609" y="1265464"/>
+            <a:ext cx="6783191" cy="2591899"/>
+          </a:xfrm>
+          <a:prstGeom prst="rect">
+            <a:avLst/>
+          </a:prstGeom>
+          <a:noFill/>
+          <a:ln>
+            <a:noFill/>
+          </a:ln>
+          <a:extLst>
+            <a:ext uri="{909E8E84-426E-40DD-AFC4-6F175D3DCCD1}">
+              <a14:hiddenFill xmlns:a14="http://schemas.microsoft.com/office/drawing/2010/main">
+                <a:solidFill>
+                  <a:schemeClr val="accent1"/>
+                </a:solidFill>
+              </a14:hiddenFill>
+            </a:ext>
+            <a:ext uri="{91240B29-F687-4F45-9708-019B960494DF}">
+              <a14:hiddenLine xmlns:a14="http://schemas.microsoft.com/office/drawing/2010/main" w="9525">
+                <a:solidFill>
+                  <a:schemeClr val="tx1"/>
+                </a:solidFill>
+                <a:miter lim="800000"/>
+                <a:headEnd/>
+                <a:tailEnd/>
+              </a14:hiddenLine>
+            </a:ext>
+          </a:extLst>
+        </p:spPr>
+      </p:pic>
+    </p:spTree>
+    <p:extLst>
+      <p:ext uri="{BB962C8B-B14F-4D97-AF65-F5344CB8AC3E}">
+        <p14:creationId xmlns:p14="http://schemas.microsoft.com/office/powerpoint/2010/main" val="4287133525"/>
       </p:ext>
     </p:extLst>
   </p:cSld>
@@ -3395,7 +4217,7 @@
           <p:cNvPr id="2" name="Title 1">
             <a:extLst>
               <a:ext uri="{FF2B5EF4-FFF2-40B4-BE49-F238E27FC236}">
-                <a16:creationId xmlns:a16="http://schemas.microsoft.com/office/drawing/2014/main" id="{9F134311-AB85-E94B-6F6E-D18E2D82B5F7}"/>
+                <a16:creationId xmlns:a16="http://schemas.microsoft.com/office/drawing/2014/main" xmlns="" id="{9F134311-AB85-E94B-6F6E-D18E2D82B5F7}"/>
               </a:ext>
             </a:extLst>
           </p:cNvPr>
@@ -3423,7 +4245,7 @@
           <p:cNvPr id="3" name="Content Placeholder 2">
             <a:extLst>
               <a:ext uri="{FF2B5EF4-FFF2-40B4-BE49-F238E27FC236}">
-                <a16:creationId xmlns:a16="http://schemas.microsoft.com/office/drawing/2014/main" id="{BA3A150E-15A0-760D-126E-C8CB33FC49DD}"/>
+                <a16:creationId xmlns:a16="http://schemas.microsoft.com/office/drawing/2014/main" xmlns="" id="{BA3A150E-15A0-760D-126E-C8CB33FC49DD}"/>
               </a:ext>
             </a:extLst>
           </p:cNvPr>
@@ -3521,7 +4343,7 @@
           <p:cNvPr id="2" name="Title 1">
             <a:extLst>
               <a:ext uri="{FF2B5EF4-FFF2-40B4-BE49-F238E27FC236}">
-                <a16:creationId xmlns:a16="http://schemas.microsoft.com/office/drawing/2014/main" id="{6BA76C18-369E-7996-70AD-05AD036FF2B9}"/>
+                <a16:creationId xmlns:a16="http://schemas.microsoft.com/office/drawing/2014/main" xmlns="" id="{6BA76C18-369E-7996-70AD-05AD036FF2B9}"/>
               </a:ext>
             </a:extLst>
           </p:cNvPr>
@@ -3562,7 +4384,7 @@
           <p:cNvPr id="3" name="Content Placeholder 2">
             <a:extLst>
               <a:ext uri="{FF2B5EF4-FFF2-40B4-BE49-F238E27FC236}">
-                <a16:creationId xmlns:a16="http://schemas.microsoft.com/office/drawing/2014/main" id="{F46469C8-0DFF-3EEF-074A-A36F2FC63848}"/>
+                <a16:creationId xmlns:a16="http://schemas.microsoft.com/office/drawing/2014/main" xmlns="" id="{F46469C8-0DFF-3EEF-074A-A36F2FC63848}"/>
               </a:ext>
             </a:extLst>
           </p:cNvPr>
@@ -3652,7 +4474,7 @@
           <p:cNvPr id="5" name="Picture 4">
             <a:extLst>
               <a:ext uri="{FF2B5EF4-FFF2-40B4-BE49-F238E27FC236}">
-                <a16:creationId xmlns:a16="http://schemas.microsoft.com/office/drawing/2014/main" id="{05FD699A-FF56-64BB-18BC-DE58D9634594}"/>
+                <a16:creationId xmlns:a16="http://schemas.microsoft.com/office/drawing/2014/main" xmlns="" id="{05FD699A-FF56-64BB-18BC-DE58D9634594}"/>
               </a:ext>
             </a:extLst>
           </p:cNvPr>
@@ -3712,7 +4534,7 @@
           <p:cNvPr id="2" name="Title 1">
             <a:extLst>
               <a:ext uri="{FF2B5EF4-FFF2-40B4-BE49-F238E27FC236}">
-                <a16:creationId xmlns:a16="http://schemas.microsoft.com/office/drawing/2014/main" id="{8814C1D2-AEC4-A97F-BFB2-6753FAD1F670}"/>
+                <a16:creationId xmlns:a16="http://schemas.microsoft.com/office/drawing/2014/main" xmlns="" id="{8814C1D2-AEC4-A97F-BFB2-6753FAD1F670}"/>
               </a:ext>
             </a:extLst>
           </p:cNvPr>
@@ -3753,7 +4575,7 @@
           <p:cNvPr id="3" name="Content Placeholder 2">
             <a:extLst>
               <a:ext uri="{FF2B5EF4-FFF2-40B4-BE49-F238E27FC236}">
-                <a16:creationId xmlns:a16="http://schemas.microsoft.com/office/drawing/2014/main" id="{7E73A71C-31CE-073C-3023-2FD0CD07B533}"/>
+                <a16:creationId xmlns:a16="http://schemas.microsoft.com/office/drawing/2014/main" xmlns="" id="{7E73A71C-31CE-073C-3023-2FD0CD07B533}"/>
               </a:ext>
             </a:extLst>
           </p:cNvPr>
@@ -3846,7 +4668,7 @@
           <p:cNvPr id="5" name="Picture 4">
             <a:extLst>
               <a:ext uri="{FF2B5EF4-FFF2-40B4-BE49-F238E27FC236}">
-                <a16:creationId xmlns:a16="http://schemas.microsoft.com/office/drawing/2014/main" id="{60B0D57C-6506-4930-CBE7-249B93E090F3}"/>
+                <a16:creationId xmlns:a16="http://schemas.microsoft.com/office/drawing/2014/main" xmlns="" id="{60B0D57C-6506-4930-CBE7-249B93E090F3}"/>
               </a:ext>
             </a:extLst>
           </p:cNvPr>
@@ -3906,7 +4728,7 @@
           <p:cNvPr id="2" name="Title 1">
             <a:extLst>
               <a:ext uri="{FF2B5EF4-FFF2-40B4-BE49-F238E27FC236}">
-                <a16:creationId xmlns:a16="http://schemas.microsoft.com/office/drawing/2014/main" id="{48E34D24-F070-7B04-FC0A-C4E50020DCF6}"/>
+                <a16:creationId xmlns:a16="http://schemas.microsoft.com/office/drawing/2014/main" xmlns="" id="{48E34D24-F070-7B04-FC0A-C4E50020DCF6}"/>
               </a:ext>
             </a:extLst>
           </p:cNvPr>
@@ -3947,7 +4769,7 @@
           <p:cNvPr id="3" name="Content Placeholder 2">
             <a:extLst>
               <a:ext uri="{FF2B5EF4-FFF2-40B4-BE49-F238E27FC236}">
-                <a16:creationId xmlns:a16="http://schemas.microsoft.com/office/drawing/2014/main" id="{814CB6DF-089F-3DCF-7A76-78134E853E9F}"/>
+                <a16:creationId xmlns:a16="http://schemas.microsoft.com/office/drawing/2014/main" xmlns="" id="{814CB6DF-089F-3DCF-7A76-78134E853E9F}"/>
               </a:ext>
             </a:extLst>
           </p:cNvPr>
@@ -4062,7 +4884,7 @@
           <p:cNvPr id="9" name="Picture 8">
             <a:extLst>
               <a:ext uri="{FF2B5EF4-FFF2-40B4-BE49-F238E27FC236}">
-                <a16:creationId xmlns:a16="http://schemas.microsoft.com/office/drawing/2014/main" id="{EF2BD8DD-3541-789A-084F-97E33CD00881}"/>
+                <a16:creationId xmlns:a16="http://schemas.microsoft.com/office/drawing/2014/main" xmlns="" id="{EF2BD8DD-3541-789A-084F-97E33CD00881}"/>
               </a:ext>
             </a:extLst>
           </p:cNvPr>
@@ -4122,7 +4944,7 @@
           <p:cNvPr id="2" name="Title 1">
             <a:extLst>
               <a:ext uri="{FF2B5EF4-FFF2-40B4-BE49-F238E27FC236}">
-                <a16:creationId xmlns:a16="http://schemas.microsoft.com/office/drawing/2014/main" id="{C4766380-865E-3365-AF53-A353B7FB4080}"/>
+                <a16:creationId xmlns:a16="http://schemas.microsoft.com/office/drawing/2014/main" xmlns="" id="{C4766380-865E-3365-AF53-A353B7FB4080}"/>
               </a:ext>
             </a:extLst>
           </p:cNvPr>
@@ -4163,7 +4985,7 @@
           <p:cNvPr id="3" name="Content Placeholder 2">
             <a:extLst>
               <a:ext uri="{FF2B5EF4-FFF2-40B4-BE49-F238E27FC236}">
-                <a16:creationId xmlns:a16="http://schemas.microsoft.com/office/drawing/2014/main" id="{9B1B7117-2E2E-3122-0F61-3BCFE12BADF2}"/>
+                <a16:creationId xmlns:a16="http://schemas.microsoft.com/office/drawing/2014/main" xmlns="" id="{9B1B7117-2E2E-3122-0F61-3BCFE12BADF2}"/>
               </a:ext>
             </a:extLst>
           </p:cNvPr>
@@ -4262,7 +5084,7 @@
           <p:cNvPr id="5" name="Picture 4">
             <a:extLst>
               <a:ext uri="{FF2B5EF4-FFF2-40B4-BE49-F238E27FC236}">
-                <a16:creationId xmlns:a16="http://schemas.microsoft.com/office/drawing/2014/main" id="{3963C12C-F63F-8BBE-FD26-4629A447B986}"/>
+                <a16:creationId xmlns:a16="http://schemas.microsoft.com/office/drawing/2014/main" xmlns="" id="{3963C12C-F63F-8BBE-FD26-4629A447B986}"/>
               </a:ext>
             </a:extLst>
           </p:cNvPr>
@@ -4322,7 +5144,7 @@
           <p:cNvPr id="2" name="Title 1">
             <a:extLst>
               <a:ext uri="{FF2B5EF4-FFF2-40B4-BE49-F238E27FC236}">
-                <a16:creationId xmlns:a16="http://schemas.microsoft.com/office/drawing/2014/main" id="{21A1CAA6-C16F-8AA3-A82E-9C7B58E014FF}"/>
+                <a16:creationId xmlns:a16="http://schemas.microsoft.com/office/drawing/2014/main" xmlns="" id="{21A1CAA6-C16F-8AA3-A82E-9C7B58E014FF}"/>
               </a:ext>
             </a:extLst>
           </p:cNvPr>
@@ -4350,7 +5172,7 @@
           <p:cNvPr id="3" name="Content Placeholder 2">
             <a:extLst>
               <a:ext uri="{FF2B5EF4-FFF2-40B4-BE49-F238E27FC236}">
-                <a16:creationId xmlns:a16="http://schemas.microsoft.com/office/drawing/2014/main" id="{5302D5CB-EA81-F2F3-2C4C-9FAAF6C01D90}"/>
+                <a16:creationId xmlns:a16="http://schemas.microsoft.com/office/drawing/2014/main" xmlns="" id="{5302D5CB-EA81-F2F3-2C4C-9FAAF6C01D90}"/>
               </a:ext>
             </a:extLst>
           </p:cNvPr>
@@ -4383,7 +5205,7 @@
           <p:cNvPr id="7" name="Picture 6">
             <a:extLst>
               <a:ext uri="{FF2B5EF4-FFF2-40B4-BE49-F238E27FC236}">
-                <a16:creationId xmlns:a16="http://schemas.microsoft.com/office/drawing/2014/main" id="{9D08A172-F0CA-E0B5-0813-601B16251467}"/>
+                <a16:creationId xmlns:a16="http://schemas.microsoft.com/office/drawing/2014/main" xmlns="" id="{9D08A172-F0CA-E0B5-0813-601B16251467}"/>
               </a:ext>
             </a:extLst>
           </p:cNvPr>
@@ -4412,6 +5234,327 @@
     <p:extLst>
       <p:ext uri="{BB962C8B-B14F-4D97-AF65-F5344CB8AC3E}">
         <p14:creationId xmlns:p14="http://schemas.microsoft.com/office/powerpoint/2010/main" val="3007103479"/>
+      </p:ext>
+    </p:extLst>
+  </p:cSld>
+  <p:clrMapOvr>
+    <a:masterClrMapping/>
+  </p:clrMapOvr>
+</p:sld>
+</file>
+
+<file path=ppt/slides/slide8.xml><?xml version="1.0" encoding="utf-8"?>
+<p:sld xmlns:a="http://schemas.openxmlformats.org/drawingml/2006/main" xmlns:r="http://schemas.openxmlformats.org/officeDocument/2006/relationships" xmlns:p="http://schemas.openxmlformats.org/presentationml/2006/main">
+  <p:cSld>
+    <p:spTree>
+      <p:nvGrpSpPr>
+        <p:cNvPr id="1" name=""/>
+        <p:cNvGrpSpPr/>
+        <p:nvPr/>
+      </p:nvGrpSpPr>
+      <p:grpSpPr>
+        <a:xfrm>
+          <a:off x="0" y="0"/>
+          <a:ext cx="0" cy="0"/>
+          <a:chOff x="0" y="0"/>
+          <a:chExt cx="0" cy="0"/>
+        </a:xfrm>
+      </p:grpSpPr>
+      <p:sp>
+        <p:nvSpPr>
+          <p:cNvPr id="2" name="Title 1"/>
+          <p:cNvSpPr>
+            <a:spLocks noGrp="1"/>
+          </p:cNvSpPr>
+          <p:nvPr>
+            <p:ph type="title"/>
+          </p:nvPr>
+        </p:nvSpPr>
+        <p:spPr/>
+        <p:txBody>
+          <a:bodyPr/>
+          <a:lstStyle/>
+          <a:p>
+            <a:r>
+              <a:rPr lang="en-US" dirty="0" smtClean="0"/>
+              <a:t>Hall Probe Measurement</a:t>
+            </a:r>
+            <a:endParaRPr lang="en-US" dirty="0"/>
+          </a:p>
+        </p:txBody>
+      </p:sp>
+      <p:sp>
+        <p:nvSpPr>
+          <p:cNvPr id="3" name="Content Placeholder 2"/>
+          <p:cNvSpPr>
+            <a:spLocks noGrp="1"/>
+          </p:cNvSpPr>
+          <p:nvPr>
+            <p:ph idx="1"/>
+          </p:nvPr>
+        </p:nvSpPr>
+        <p:spPr/>
+        <p:txBody>
+          <a:bodyPr/>
+          <a:lstStyle/>
+          <a:p>
+            <a:r>
+              <a:rPr lang="en-US" dirty="0" smtClean="0"/>
+              <a:t>Subtraction of linear trajectory component is necessary since entrance fields are not accurate with hall probe…</a:t>
+            </a:r>
+          </a:p>
+          <a:p>
+            <a:r>
+              <a:rPr lang="en-US" dirty="0" smtClean="0"/>
+              <a:t>Lots of curvature in trajectories though…</a:t>
+            </a:r>
+          </a:p>
+          <a:p>
+            <a:pPr lvl="1"/>
+            <a:r>
+              <a:rPr lang="en-US" dirty="0" smtClean="0"/>
+              <a:t>Mostly quadratic, explained by constant offset in field?</a:t>
+            </a:r>
+            <a:endParaRPr lang="en-US" dirty="0"/>
+          </a:p>
+        </p:txBody>
+      </p:sp>
+      <p:pic>
+        <p:nvPicPr>
+          <p:cNvPr id="1027" name="Picture 3"/>
+          <p:cNvPicPr>
+            <a:picLocks noChangeAspect="1" noChangeArrowheads="1"/>
+          </p:cNvPicPr>
+          <p:nvPr/>
+        </p:nvPicPr>
+        <p:blipFill>
+          <a:blip r:embed="rId2">
+            <a:extLst>
+              <a:ext uri="{28A0092B-C50C-407E-A947-70E740481C1C}">
+                <a14:useLocalDpi xmlns:a14="http://schemas.microsoft.com/office/drawing/2010/main" val="0"/>
+              </a:ext>
+            </a:extLst>
+          </a:blip>
+          <a:srcRect/>
+          <a:stretch>
+            <a:fillRect/>
+          </a:stretch>
+        </p:blipFill>
+        <p:spPr bwMode="auto">
+          <a:xfrm>
+            <a:off x="166256" y="3961823"/>
+            <a:ext cx="11180618" cy="2803439"/>
+          </a:xfrm>
+          <a:prstGeom prst="rect">
+            <a:avLst/>
+          </a:prstGeom>
+          <a:noFill/>
+          <a:ln>
+            <a:noFill/>
+          </a:ln>
+          <a:extLst>
+            <a:ext uri="{909E8E84-426E-40DD-AFC4-6F175D3DCCD1}">
+              <a14:hiddenFill xmlns:a14="http://schemas.microsoft.com/office/drawing/2010/main">
+                <a:solidFill>
+                  <a:schemeClr val="accent1"/>
+                </a:solidFill>
+              </a14:hiddenFill>
+            </a:ext>
+            <a:ext uri="{91240B29-F687-4F45-9708-019B960494DF}">
+              <a14:hiddenLine xmlns:a14="http://schemas.microsoft.com/office/drawing/2010/main" w="9525">
+                <a:solidFill>
+                  <a:schemeClr val="tx1"/>
+                </a:solidFill>
+                <a:miter lim="800000"/>
+                <a:headEnd/>
+                <a:tailEnd/>
+              </a14:hiddenLine>
+            </a:ext>
+          </a:extLst>
+        </p:spPr>
+      </p:pic>
+    </p:spTree>
+    <p:extLst>
+      <p:ext uri="{BB962C8B-B14F-4D97-AF65-F5344CB8AC3E}">
+        <p14:creationId xmlns:p14="http://schemas.microsoft.com/office/powerpoint/2010/main" val="119553271"/>
+      </p:ext>
+    </p:extLst>
+  </p:cSld>
+  <p:clrMapOvr>
+    <a:masterClrMapping/>
+  </p:clrMapOvr>
+</p:sld>
+</file>
+
+<file path=ppt/slides/slide9.xml><?xml version="1.0" encoding="utf-8"?>
+<p:sld xmlns:a="http://schemas.openxmlformats.org/drawingml/2006/main" xmlns:r="http://schemas.openxmlformats.org/officeDocument/2006/relationships" xmlns:p="http://schemas.openxmlformats.org/presentationml/2006/main">
+  <p:cSld>
+    <p:spTree>
+      <p:nvGrpSpPr>
+        <p:cNvPr id="1" name=""/>
+        <p:cNvGrpSpPr/>
+        <p:nvPr/>
+      </p:nvGrpSpPr>
+      <p:grpSpPr>
+        <a:xfrm>
+          <a:off x="0" y="0"/>
+          <a:ext cx="0" cy="0"/>
+          <a:chOff x="0" y="0"/>
+          <a:chExt cx="0" cy="0"/>
+        </a:xfrm>
+      </p:grpSpPr>
+      <p:sp>
+        <p:nvSpPr>
+          <p:cNvPr id="2" name="Title 1"/>
+          <p:cNvSpPr>
+            <a:spLocks noGrp="1"/>
+          </p:cNvSpPr>
+          <p:nvPr>
+            <p:ph type="title"/>
+          </p:nvPr>
+        </p:nvSpPr>
+        <p:spPr/>
+        <p:txBody>
+          <a:bodyPr/>
+          <a:lstStyle/>
+          <a:p>
+            <a:r>
+              <a:rPr lang="en-US" dirty="0" smtClean="0"/>
+              <a:t>Preliminary fits	</a:t>
+            </a:r>
+            <a:endParaRPr lang="en-US" dirty="0"/>
+          </a:p>
+        </p:txBody>
+      </p:sp>
+      <p:sp>
+        <p:nvSpPr>
+          <p:cNvPr id="3" name="Content Placeholder 2"/>
+          <p:cNvSpPr>
+            <a:spLocks noGrp="1"/>
+          </p:cNvSpPr>
+          <p:nvPr>
+            <p:ph idx="1"/>
+          </p:nvPr>
+        </p:nvSpPr>
+        <p:spPr>
+          <a:xfrm>
+            <a:off x="838200" y="1825625"/>
+            <a:ext cx="9661358" cy="1727701"/>
+          </a:xfrm>
+        </p:spPr>
+        <p:txBody>
+          <a:bodyPr>
+            <a:normAutofit fontScale="70000" lnSpcReduction="20000"/>
+          </a:bodyPr>
+          <a:lstStyle/>
+          <a:p>
+            <a:r>
+              <a:rPr lang="en-US" dirty="0" smtClean="0"/>
+              <a:t>I manually define a scaling to get rough comparison.</a:t>
+            </a:r>
+          </a:p>
+          <a:p>
+            <a:r>
+              <a:rPr lang="en-US" dirty="0" smtClean="0"/>
+              <a:t>Clearly most of error was quadratic. There is come discrepancy after the jump too.</a:t>
+            </a:r>
+          </a:p>
+          <a:p>
+            <a:r>
+              <a:rPr lang="en-US" dirty="0" smtClean="0"/>
+              <a:t>Jump is due to magnets that were pushed in during tuning to hold vacuum pipe near axis.</a:t>
+            </a:r>
+          </a:p>
+          <a:p>
+            <a:r>
+              <a:rPr lang="en-US" dirty="0" smtClean="0"/>
+              <a:t>By += 0.5 </a:t>
+            </a:r>
+            <a:r>
+              <a:rPr lang="en-US" dirty="0" err="1" smtClean="0"/>
+              <a:t>mT</a:t>
+            </a:r>
+            <a:endParaRPr lang="en-US" dirty="0" smtClean="0"/>
+          </a:p>
+          <a:p>
+            <a:r>
+              <a:rPr lang="en-US" dirty="0" err="1" smtClean="0"/>
+              <a:t>Bx</a:t>
+            </a:r>
+            <a:r>
+              <a:rPr lang="en-US" dirty="0" smtClean="0"/>
+              <a:t> += 2 </a:t>
+            </a:r>
+            <a:r>
+              <a:rPr lang="en-US" dirty="0" err="1" smtClean="0"/>
+              <a:t>mT</a:t>
+            </a:r>
+            <a:r>
+              <a:rPr lang="en-US" dirty="0" smtClean="0"/>
+              <a:t> </a:t>
+            </a:r>
+            <a:endParaRPr lang="en-US" dirty="0"/>
+          </a:p>
+        </p:txBody>
+      </p:sp>
+      <p:pic>
+        <p:nvPicPr>
+          <p:cNvPr id="2052" name="Picture 4"/>
+          <p:cNvPicPr>
+            <a:picLocks noChangeAspect="1" noChangeArrowheads="1"/>
+          </p:cNvPicPr>
+          <p:nvPr/>
+        </p:nvPicPr>
+        <p:blipFill>
+          <a:blip r:embed="rId2">
+            <a:extLst>
+              <a:ext uri="{28A0092B-C50C-407E-A947-70E740481C1C}">
+                <a14:useLocalDpi xmlns:a14="http://schemas.microsoft.com/office/drawing/2010/main" val="0"/>
+              </a:ext>
+            </a:extLst>
+          </a:blip>
+          <a:srcRect/>
+          <a:stretch>
+            <a:fillRect/>
+          </a:stretch>
+        </p:blipFill>
+        <p:spPr bwMode="auto">
+          <a:xfrm>
+            <a:off x="359229" y="3716263"/>
+            <a:ext cx="7747907" cy="2937629"/>
+          </a:xfrm>
+          <a:prstGeom prst="rect">
+            <a:avLst/>
+          </a:prstGeom>
+          <a:noFill/>
+          <a:ln>
+            <a:noFill/>
+          </a:ln>
+          <a:extLst>
+            <a:ext uri="{909E8E84-426E-40DD-AFC4-6F175D3DCCD1}">
+              <a14:hiddenFill xmlns:a14="http://schemas.microsoft.com/office/drawing/2010/main">
+                <a:solidFill>
+                  <a:schemeClr val="accent1"/>
+                </a:solidFill>
+              </a14:hiddenFill>
+            </a:ext>
+            <a:ext uri="{91240B29-F687-4F45-9708-019B960494DF}">
+              <a14:hiddenLine xmlns:a14="http://schemas.microsoft.com/office/drawing/2010/main" w="9525">
+                <a:solidFill>
+                  <a:schemeClr val="tx1"/>
+                </a:solidFill>
+                <a:miter lim="800000"/>
+                <a:headEnd/>
+                <a:tailEnd/>
+              </a14:hiddenLine>
+            </a:ext>
+          </a:extLst>
+        </p:spPr>
+      </p:pic>
+    </p:spTree>
+    <p:extLst>
+      <p:ext uri="{BB962C8B-B14F-4D97-AF65-F5344CB8AC3E}">
+        <p14:creationId xmlns:p14="http://schemas.microsoft.com/office/powerpoint/2010/main" val="966220311"/>
       </p:ext>
     </p:extLst>
   </p:cSld>
@@ -4710,7 +5853,7 @@
   <a:extraClrSchemeLst/>
   <a:extLst>
     <a:ext uri="{05A4C25C-085E-4340-85A3-A5531E510DB2}">
-      <thm15:themeFamily xmlns:thm15="http://schemas.microsoft.com/office/thememl/2012/main" name="Office Theme" id="{62F939B6-93AF-4DB8-9C6B-D6C7DFDC589F}" vid="{4A3C46E8-61CC-4603-A589-7422A47A8E4A}"/>
+      <thm15:themeFamily xmlns:thm15="http://schemas.microsoft.com/office/thememl/2012/main" xmlns="" name="Office Theme" id="{62F939B6-93AF-4DB8-9C6B-D6C7DFDC589F}" vid="{4A3C46E8-61CC-4603-A589-7422A47A8E4A}"/>
     </a:ext>
   </a:extLst>
 </a:theme>
